--- a/07_01-FeatureFolders.pptx
+++ b/07_01-FeatureFolders.pptx
@@ -14,13 +14,11 @@
   <p:sldIdLst>
     <p:sldId id="266" r:id="rId9"/>
     <p:sldId id="256" r:id="rId10"/>
-    <p:sldId id="276" r:id="rId11"/>
-    <p:sldId id="269" r:id="rId12"/>
-    <p:sldId id="274" r:id="rId13"/>
-    <p:sldId id="275" r:id="rId14"/>
+    <p:sldId id="267" r:id="rId11"/>
+    <p:sldId id="268" r:id="rId12"/>
+    <p:sldId id="269" r:id="rId13"/>
+    <p:sldId id="270" r:id="rId14"/>
     <p:sldId id="271" r:id="rId15"/>
-    <p:sldId id="270" r:id="rId16"/>
-    <p:sldId id="272" r:id="rId17"/>
   </p:sldIdLst>
   <p:sldSz cx="12192000" cy="6858000"/>
   <p:notesSz cx="6858000" cy="9144000"/>
@@ -165,13 +163,11 @@
           <p14:sldIdLst>
             <p14:sldId id="266"/>
             <p14:sldId id="256"/>
-            <p14:sldId id="276"/>
+            <p14:sldId id="267"/>
+            <p14:sldId id="268"/>
             <p14:sldId id="269"/>
-            <p14:sldId id="274"/>
-            <p14:sldId id="275"/>
+            <p14:sldId id="270"/>
             <p14:sldId id="271"/>
-            <p14:sldId id="270"/>
-            <p14:sldId id="272"/>
           </p14:sldIdLst>
         </p14:section>
       </p14:sectionLst>
@@ -618,7 +614,7 @@
           <a:p>
             <a:fld id="{02243223-8F5B-47D4-B6E3-70CECE8A9622}" type="datetimeFigureOut">
               <a:rPr lang="en-US" smtClean="0"/>
-              <a:t>5/22/2018</a:t>
+              <a:t>5/30/2018</a:t>
             </a:fld>
             <a:endParaRPr lang="en-US"/>
           </a:p>
@@ -1511,7 +1507,7 @@
           <a:p>
             <a:fld id="{1A31F165-79DF-43A7-AB31-D5853D8F6D03}" type="datetimeFigureOut">
               <a:rPr lang="en-US" smtClean="0"/>
-              <a:t>5/22/2018</a:t>
+              <a:t>5/30/2018</a:t>
             </a:fld>
             <a:endParaRPr lang="en-US"/>
           </a:p>
@@ -1709,7 +1705,7 @@
           <a:p>
             <a:fld id="{1A31F165-79DF-43A7-AB31-D5853D8F6D03}" type="datetimeFigureOut">
               <a:rPr lang="en-US" smtClean="0"/>
-              <a:t>5/22/2018</a:t>
+              <a:t>5/30/2018</a:t>
             </a:fld>
             <a:endParaRPr lang="en-US"/>
           </a:p>
@@ -4497,7 +4493,7 @@
               <a:pPr>
                 <a:defRPr/>
               </a:pPr>
-              <a:t>5/22/2018</a:t>
+              <a:t>5/30/2018</a:t>
             </a:fld>
             <a:endParaRPr lang="en-US" altLang="en-US"/>
           </a:p>
@@ -10866,97 +10862,75 @@
             <a:spLocks noGrp="1"/>
           </p:cNvSpPr>
           <p:nvPr>
-            <p:ph type="title"/>
+            <p:ph type="title" idx="4294967295"/>
           </p:nvPr>
         </p:nvSpPr>
-        <p:spPr/>
+        <p:spPr>
+          <a:xfrm>
+            <a:off x="113016" y="5172753"/>
+            <a:ext cx="8131995" cy="963613"/>
+          </a:xfrm>
+        </p:spPr>
         <p:txBody>
           <a:bodyPr/>
           <a:lstStyle/>
           <a:p>
             <a:r>
-              <a:rPr lang="en-US" dirty="0"/>
-              <a:t>Anti-Pattern:  Fat Controllers</a:t>
+              <a:rPr lang="en-US" dirty="0">
+                <a:solidFill>
+                  <a:schemeClr val="bg1"/>
+                </a:solidFill>
+              </a:rPr>
+              <a:t>Standard ASP.NET MVC Folder Layout</a:t>
             </a:r>
           </a:p>
         </p:txBody>
       </p:sp>
-      <p:sp>
-        <p:nvSpPr>
-          <p:cNvPr id="5" name="Content Placeholder 4">
+      <p:pic>
+        <p:nvPicPr>
+          <p:cNvPr id="2" name="Content Placeholder 1">
             <a:extLst>
               <a:ext uri="{FF2B5EF4-FFF2-40B4-BE49-F238E27FC236}">
-                <a16:creationId xmlns:a16="http://schemas.microsoft.com/office/drawing/2014/main" id="{9E8FA8D8-4523-4CCE-B988-D3E4C11DD24B}"/>
+                <a16:creationId xmlns:a16="http://schemas.microsoft.com/office/drawing/2014/main" id="{31CAADFE-31F9-4B72-9CE7-9FC8A369F882}"/>
               </a:ext>
             </a:extLst>
           </p:cNvPr>
-          <p:cNvSpPr>
-            <a:spLocks noGrp="1"/>
-          </p:cNvSpPr>
+          <p:cNvPicPr>
+            <a:picLocks noGrp="1" noChangeAspect="1"/>
+          </p:cNvPicPr>
           <p:nvPr>
-            <p:ph idx="1"/>
+            <p:ph idx="4294967295"/>
           </p:nvPr>
-        </p:nvSpPr>
-        <p:spPr/>
-        <p:txBody>
-          <a:bodyPr/>
-          <a:lstStyle/>
-          <a:p>
-            <a:r>
-              <a:rPr lang="en-US" dirty="0"/>
-              <a:t>Controllers should focus on orchestrating the interaction between the view and the model</a:t>
-            </a:r>
-          </a:p>
-          <a:p>
-            <a:endParaRPr lang="en-US" dirty="0"/>
-          </a:p>
-          <a:p>
-            <a:r>
-              <a:rPr lang="en-US" dirty="0"/>
-              <a:t>How much is “too much logic”?</a:t>
-            </a:r>
-          </a:p>
-        </p:txBody>
-      </p:sp>
-    </p:spTree>
-    <p:extLst>
-      <p:ext uri="{BB962C8B-B14F-4D97-AF65-F5344CB8AC3E}">
-        <p14:creationId xmlns:p14="http://schemas.microsoft.com/office/powerpoint/2010/main" val="4029022658"/>
-      </p:ext>
-    </p:extLst>
-  </p:cSld>
-  <p:clrMapOvr>
-    <a:masterClrMapping/>
-  </p:clrMapOvr>
-  <p:transition>
-    <p:dissolve/>
-  </p:transition>
-</p:sld>
-</file>
-
-<file path=ppt/slides/slide3.xml><?xml version="1.0" encoding="utf-8"?>
-<p:sld xmlns:a="http://schemas.openxmlformats.org/drawingml/2006/main" xmlns:r="http://schemas.openxmlformats.org/officeDocument/2006/relationships" xmlns:p="http://schemas.openxmlformats.org/presentationml/2006/main">
-  <p:cSld>
-    <p:spTree>
-      <p:nvGrpSpPr>
-        <p:cNvPr id="1" name=""/>
-        <p:cNvGrpSpPr/>
-        <p:nvPr/>
-      </p:nvGrpSpPr>
-      <p:grpSpPr>
-        <a:xfrm>
-          <a:off x="0" y="0"/>
-          <a:ext cx="0" cy="0"/>
-          <a:chOff x="0" y="0"/>
-          <a:chExt cx="0" cy="0"/>
-        </a:xfrm>
-      </p:grpSpPr>
+        </p:nvPicPr>
+        <p:blipFill>
+          <a:blip r:embed="rId2"/>
+          <a:stretch>
+            <a:fillRect/>
+          </a:stretch>
+        </p:blipFill>
+        <p:spPr>
+          <a:xfrm>
+            <a:off x="8311793" y="0"/>
+            <a:ext cx="2740004" cy="6599310"/>
+          </a:xfrm>
+          <a:prstGeom prst="rect">
+            <a:avLst/>
+          </a:prstGeom>
+          <a:ln>
+            <a:solidFill>
+              <a:schemeClr val="bg1">
+                <a:lumMod val="50000"/>
+              </a:schemeClr>
+            </a:solidFill>
+          </a:ln>
+        </p:spPr>
+      </p:pic>
       <p:sp>
         <p:nvSpPr>
-          <p:cNvPr id="4" name="Rectangle 3">
+          <p:cNvPr id="3" name="Rectangle 2">
             <a:extLst>
               <a:ext uri="{FF2B5EF4-FFF2-40B4-BE49-F238E27FC236}">
-                <a16:creationId xmlns:a16="http://schemas.microsoft.com/office/drawing/2014/main" id="{A8B79B27-783B-44BF-B726-21F1CA031AF3}"/>
+                <a16:creationId xmlns:a16="http://schemas.microsoft.com/office/drawing/2014/main" id="{337A0823-892F-477B-8E70-9BC1C81085CB}"/>
               </a:ext>
             </a:extLst>
           </p:cNvPr>
@@ -10965,71 +10939,32 @@
         </p:nvSpPr>
         <p:spPr>
           <a:xfrm>
-            <a:off x="2415740" y="2578807"/>
-            <a:ext cx="2157573" cy="1176391"/>
+            <a:off x="8402918" y="0"/>
+            <a:ext cx="2486212" cy="1780988"/>
           </a:xfrm>
           <a:prstGeom prst="rect">
             <a:avLst/>
           </a:prstGeom>
-        </p:spPr>
-        <p:style>
-          <a:lnRef idx="2">
-            <a:schemeClr val="accent1">
-              <a:shade val="50000"/>
-            </a:schemeClr>
-          </a:lnRef>
-          <a:fillRef idx="1">
-            <a:schemeClr val="accent1"/>
-          </a:fillRef>
-          <a:effectRef idx="0">
-            <a:schemeClr val="accent1"/>
-          </a:effectRef>
-          <a:fontRef idx="minor">
-            <a:schemeClr val="lt1"/>
-          </a:fontRef>
-        </p:style>
-        <p:txBody>
-          <a:bodyPr rtlCol="0" anchor="ctr"/>
-          <a:lstStyle/>
-          <a:p>
-            <a:pPr algn="ctr"/>
-            <a:r>
-              <a:rPr lang="en-US" sz="2800" dirty="0"/>
-              <a:t>Controller</a:t>
-            </a:r>
-          </a:p>
-        </p:txBody>
-      </p:sp>
-      <p:sp>
-        <p:nvSpPr>
-          <p:cNvPr id="5" name="Rectangle 4">
-            <a:extLst>
-              <a:ext uri="{FF2B5EF4-FFF2-40B4-BE49-F238E27FC236}">
-                <a16:creationId xmlns:a16="http://schemas.microsoft.com/office/drawing/2014/main" id="{5E0D3878-F12D-4D66-BF2E-5CFC721746D7}"/>
-              </a:ext>
-            </a:extLst>
-          </p:cNvPr>
-          <p:cNvSpPr/>
-          <p:nvPr/>
-        </p:nvSpPr>
-        <p:spPr>
-          <a:xfrm>
-            <a:off x="6495377" y="2578807"/>
-            <a:ext cx="2157573" cy="1176391"/>
-          </a:xfrm>
-          <a:prstGeom prst="rect">
-            <a:avLst/>
-          </a:prstGeom>
+          <a:solidFill>
+            <a:srgbClr val="FFFF00">
+              <a:alpha val="30000"/>
+            </a:srgbClr>
+          </a:solidFill>
+          <a:ln>
+            <a:solidFill>
+              <a:srgbClr val="FFC000"/>
+            </a:solidFill>
+          </a:ln>
         </p:spPr>
         <p:style>
           <a:lnRef idx="1">
-            <a:schemeClr val="accent4"/>
+            <a:schemeClr val="accent6"/>
           </a:lnRef>
           <a:fillRef idx="2">
-            <a:schemeClr val="accent4"/>
+            <a:schemeClr val="accent6"/>
           </a:fillRef>
           <a:effectRef idx="1">
-            <a:schemeClr val="accent4"/>
+            <a:schemeClr val="accent6"/>
           </a:effectRef>
           <a:fontRef idx="minor">
             <a:schemeClr val="dk1"/>
@@ -11040,260 +10975,16 @@
           <a:lstStyle/>
           <a:p>
             <a:pPr algn="ctr"/>
-            <a:r>
-              <a:rPr lang="en-US" sz="2800" dirty="0"/>
-              <a:t>Service</a:t>
-            </a:r>
-            <a:br>
-              <a:rPr lang="en-US" sz="2800" dirty="0"/>
-            </a:br>
-            <a:r>
-              <a:rPr lang="en-US" sz="2800" dirty="0"/>
-              <a:t>Class</a:t>
-            </a:r>
+            <a:endParaRPr lang="en-US"/>
           </a:p>
         </p:txBody>
       </p:sp>
       <p:sp>
         <p:nvSpPr>
-          <p:cNvPr id="15" name="Title 14">
+          <p:cNvPr id="6" name="Rectangle 5">
             <a:extLst>
               <a:ext uri="{FF2B5EF4-FFF2-40B4-BE49-F238E27FC236}">
-                <a16:creationId xmlns:a16="http://schemas.microsoft.com/office/drawing/2014/main" id="{AFAEB86A-5257-4BEB-B72F-23FB7DF16ECF}"/>
-              </a:ext>
-            </a:extLst>
-          </p:cNvPr>
-          <p:cNvSpPr>
-            <a:spLocks noGrp="1"/>
-          </p:cNvSpPr>
-          <p:nvPr>
-            <p:ph type="title"/>
-          </p:nvPr>
-        </p:nvSpPr>
-        <p:spPr/>
-        <p:txBody>
-          <a:bodyPr/>
-          <a:lstStyle/>
-          <a:p>
-            <a:r>
-              <a:rPr lang="en-US" dirty="0"/>
-              <a:t>Refactoring to a Service Class</a:t>
-            </a:r>
-          </a:p>
-        </p:txBody>
-      </p:sp>
-      <p:cxnSp>
-        <p:nvCxnSpPr>
-          <p:cNvPr id="9" name="Straight Arrow Connector 8">
-            <a:extLst>
-              <a:ext uri="{FF2B5EF4-FFF2-40B4-BE49-F238E27FC236}">
-                <a16:creationId xmlns:a16="http://schemas.microsoft.com/office/drawing/2014/main" id="{6FE1B1B0-91F7-4CD2-9B7A-8B74E17081AD}"/>
-              </a:ext>
-            </a:extLst>
-          </p:cNvPr>
-          <p:cNvCxnSpPr>
-            <a:cxnSpLocks/>
-          </p:cNvCxnSpPr>
-          <p:nvPr/>
-        </p:nvCxnSpPr>
-        <p:spPr>
-          <a:xfrm flipV="1">
-            <a:off x="4571571" y="3006911"/>
-            <a:ext cx="1925548" cy="2"/>
-          </a:xfrm>
-          <a:prstGeom prst="straightConnector1">
-            <a:avLst/>
-          </a:prstGeom>
-          <a:ln w="57150">
-            <a:headEnd type="none" w="med" len="med"/>
-            <a:tailEnd type="arrow" w="med" len="med"/>
-          </a:ln>
-        </p:spPr>
-        <p:style>
-          <a:lnRef idx="3">
-            <a:schemeClr val="dk1"/>
-          </a:lnRef>
-          <a:fillRef idx="0">
-            <a:schemeClr val="dk1"/>
-          </a:fillRef>
-          <a:effectRef idx="2">
-            <a:schemeClr val="dk1"/>
-          </a:effectRef>
-          <a:fontRef idx="minor">
-            <a:schemeClr val="tx1"/>
-          </a:fontRef>
-        </p:style>
-      </p:cxnSp>
-      <p:cxnSp>
-        <p:nvCxnSpPr>
-          <p:cNvPr id="10" name="Straight Arrow Connector 9">
-            <a:extLst>
-              <a:ext uri="{FF2B5EF4-FFF2-40B4-BE49-F238E27FC236}">
-                <a16:creationId xmlns:a16="http://schemas.microsoft.com/office/drawing/2014/main" id="{0B9B58B7-D03D-4D98-885C-BF0DEF4C82F6}"/>
-              </a:ext>
-            </a:extLst>
-          </p:cNvPr>
-          <p:cNvCxnSpPr>
-            <a:cxnSpLocks/>
-          </p:cNvCxnSpPr>
-          <p:nvPr/>
-        </p:nvCxnSpPr>
-        <p:spPr>
-          <a:xfrm flipH="1">
-            <a:off x="4569829" y="3338026"/>
-            <a:ext cx="1925548" cy="0"/>
-          </a:xfrm>
-          <a:prstGeom prst="straightConnector1">
-            <a:avLst/>
-          </a:prstGeom>
-          <a:ln w="57150">
-            <a:headEnd type="none" w="med" len="med"/>
-            <a:tailEnd type="arrow" w="med" len="med"/>
-          </a:ln>
-        </p:spPr>
-        <p:style>
-          <a:lnRef idx="3">
-            <a:schemeClr val="dk1"/>
-          </a:lnRef>
-          <a:fillRef idx="0">
-            <a:schemeClr val="dk1"/>
-          </a:fillRef>
-          <a:effectRef idx="2">
-            <a:schemeClr val="dk1"/>
-          </a:effectRef>
-          <a:fontRef idx="minor">
-            <a:schemeClr val="tx1"/>
-          </a:fontRef>
-        </p:style>
-      </p:cxnSp>
-    </p:spTree>
-    <p:extLst>
-      <p:ext uri="{BB962C8B-B14F-4D97-AF65-F5344CB8AC3E}">
-        <p14:creationId xmlns:p14="http://schemas.microsoft.com/office/powerpoint/2010/main" val="2400245857"/>
-      </p:ext>
-    </p:extLst>
-  </p:cSld>
-  <p:clrMapOvr>
-    <a:masterClrMapping/>
-  </p:clrMapOvr>
-  <p:transition>
-    <p:dissolve/>
-  </p:transition>
-</p:sld>
-</file>
-
-<file path=ppt/slides/slide4.xml><?xml version="1.0" encoding="utf-8"?>
-<p:sld xmlns:a="http://schemas.openxmlformats.org/drawingml/2006/main" xmlns:r="http://schemas.openxmlformats.org/officeDocument/2006/relationships" xmlns:p="http://schemas.openxmlformats.org/presentationml/2006/main">
-  <p:cSld>
-    <p:spTree>
-      <p:nvGrpSpPr>
-        <p:cNvPr id="1" name=""/>
-        <p:cNvGrpSpPr/>
-        <p:nvPr/>
-      </p:nvGrpSpPr>
-      <p:grpSpPr>
-        <a:xfrm>
-          <a:off x="0" y="0"/>
-          <a:ext cx="0" cy="0"/>
-          <a:chOff x="0" y="0"/>
-          <a:chExt cx="0" cy="0"/>
-        </a:xfrm>
-      </p:grpSpPr>
-      <p:sp>
-        <p:nvSpPr>
-          <p:cNvPr id="2" name="Title 1">
-            <a:extLst>
-              <a:ext uri="{FF2B5EF4-FFF2-40B4-BE49-F238E27FC236}">
-                <a16:creationId xmlns:a16="http://schemas.microsoft.com/office/drawing/2014/main" id="{DA608E84-9C53-4331-97A0-3ACD9208BEE6}"/>
-              </a:ext>
-            </a:extLst>
-          </p:cNvPr>
-          <p:cNvSpPr>
-            <a:spLocks noGrp="1"/>
-          </p:cNvSpPr>
-          <p:nvPr>
-            <p:ph type="ctrTitle"/>
-          </p:nvPr>
-        </p:nvSpPr>
-        <p:spPr/>
-        <p:txBody>
-          <a:bodyPr>
-            <a:normAutofit/>
-          </a:bodyPr>
-          <a:lstStyle/>
-          <a:p>
-            <a:pPr algn="ctr"/>
-            <a:r>
-              <a:rPr lang="en-US" sz="5400" dirty="0"/>
-              <a:t>Mediator Pattern</a:t>
-            </a:r>
-          </a:p>
-        </p:txBody>
-      </p:sp>
-      <p:sp>
-        <p:nvSpPr>
-          <p:cNvPr id="4" name="Subtitle 3">
-            <a:extLst>
-              <a:ext uri="{FF2B5EF4-FFF2-40B4-BE49-F238E27FC236}">
-                <a16:creationId xmlns:a16="http://schemas.microsoft.com/office/drawing/2014/main" id="{A6EAE3E5-DE78-430B-9DC3-89F454ACED4C}"/>
-              </a:ext>
-            </a:extLst>
-          </p:cNvPr>
-          <p:cNvSpPr>
-            <a:spLocks noGrp="1"/>
-          </p:cNvSpPr>
-          <p:nvPr>
-            <p:ph type="subTitle" idx="1"/>
-          </p:nvPr>
-        </p:nvSpPr>
-        <p:spPr/>
-        <p:txBody>
-          <a:bodyPr/>
-          <a:lstStyle/>
-          <a:p>
-            <a:endParaRPr lang="en-US"/>
-          </a:p>
-        </p:txBody>
-      </p:sp>
-    </p:spTree>
-    <p:extLst>
-      <p:ext uri="{BB962C8B-B14F-4D97-AF65-F5344CB8AC3E}">
-        <p14:creationId xmlns:p14="http://schemas.microsoft.com/office/powerpoint/2010/main" val="2246356922"/>
-      </p:ext>
-    </p:extLst>
-  </p:cSld>
-  <p:clrMapOvr>
-    <a:masterClrMapping/>
-  </p:clrMapOvr>
-  <p:transition>
-    <p:dissolve/>
-  </p:transition>
-</p:sld>
-</file>
-
-<file path=ppt/slides/slide5.xml><?xml version="1.0" encoding="utf-8"?>
-<p:sld xmlns:a="http://schemas.openxmlformats.org/drawingml/2006/main" xmlns:r="http://schemas.openxmlformats.org/officeDocument/2006/relationships" xmlns:p="http://schemas.openxmlformats.org/presentationml/2006/main">
-  <p:cSld>
-    <p:spTree>
-      <p:nvGrpSpPr>
-        <p:cNvPr id="1" name=""/>
-        <p:cNvGrpSpPr/>
-        <p:nvPr/>
-      </p:nvGrpSpPr>
-      <p:grpSpPr>
-        <a:xfrm>
-          <a:off x="0" y="0"/>
-          <a:ext cx="0" cy="0"/>
-          <a:chOff x="0" y="0"/>
-          <a:chExt cx="0" cy="0"/>
-        </a:xfrm>
-      </p:grpSpPr>
-      <p:sp>
-        <p:nvSpPr>
-          <p:cNvPr id="4" name="Rectangle 3">
-            <a:extLst>
-              <a:ext uri="{FF2B5EF4-FFF2-40B4-BE49-F238E27FC236}">
-                <a16:creationId xmlns:a16="http://schemas.microsoft.com/office/drawing/2014/main" id="{A8B79B27-783B-44BF-B726-21F1CA031AF3}"/>
+                <a16:creationId xmlns:a16="http://schemas.microsoft.com/office/drawing/2014/main" id="{2A804223-E71E-43E5-9F0E-04045FA00920}"/>
               </a:ext>
             </a:extLst>
           </p:cNvPr>
@@ -11302,190 +10993,32 @@
         </p:nvSpPr>
         <p:spPr>
           <a:xfrm>
-            <a:off x="838200" y="2418715"/>
-            <a:ext cx="2157573" cy="1176391"/>
+            <a:off x="8402918" y="2788023"/>
+            <a:ext cx="2486212" cy="3272118"/>
           </a:xfrm>
           <a:prstGeom prst="rect">
             <a:avLst/>
           </a:prstGeom>
-        </p:spPr>
-        <p:style>
-          <a:lnRef idx="2">
-            <a:schemeClr val="accent1">
-              <a:shade val="50000"/>
-            </a:schemeClr>
-          </a:lnRef>
-          <a:fillRef idx="1">
-            <a:schemeClr val="accent1"/>
-          </a:fillRef>
-          <a:effectRef idx="0">
-            <a:schemeClr val="accent1"/>
-          </a:effectRef>
-          <a:fontRef idx="minor">
-            <a:schemeClr val="lt1"/>
-          </a:fontRef>
-        </p:style>
-        <p:txBody>
-          <a:bodyPr rtlCol="0" anchor="ctr"/>
-          <a:lstStyle/>
-          <a:p>
-            <a:pPr algn="ctr"/>
-            <a:r>
-              <a:rPr lang="en-US" sz="2400" dirty="0"/>
-              <a:t>Component A</a:t>
-            </a:r>
-          </a:p>
-        </p:txBody>
-      </p:sp>
-      <p:sp>
-        <p:nvSpPr>
-          <p:cNvPr id="5" name="Rectangle 4">
-            <a:extLst>
-              <a:ext uri="{FF2B5EF4-FFF2-40B4-BE49-F238E27FC236}">
-                <a16:creationId xmlns:a16="http://schemas.microsoft.com/office/drawing/2014/main" id="{5E0D3878-F12D-4D66-BF2E-5CFC721746D7}"/>
-              </a:ext>
-            </a:extLst>
-          </p:cNvPr>
-          <p:cNvSpPr/>
-          <p:nvPr/>
-        </p:nvSpPr>
-        <p:spPr>
-          <a:xfrm>
-            <a:off x="4921321" y="2418712"/>
-            <a:ext cx="2157573" cy="1176391"/>
-          </a:xfrm>
-          <a:prstGeom prst="rect">
-            <a:avLst/>
-          </a:prstGeom>
-        </p:spPr>
-        <p:style>
-          <a:lnRef idx="2">
-            <a:schemeClr val="accent6">
-              <a:shade val="50000"/>
-            </a:schemeClr>
-          </a:lnRef>
-          <a:fillRef idx="1">
-            <a:schemeClr val="accent6"/>
-          </a:fillRef>
-          <a:effectRef idx="0">
-            <a:schemeClr val="accent6"/>
-          </a:effectRef>
-          <a:fontRef idx="minor">
-            <a:schemeClr val="lt1"/>
-          </a:fontRef>
-        </p:style>
-        <p:txBody>
-          <a:bodyPr rtlCol="0" anchor="ctr"/>
-          <a:lstStyle/>
-          <a:p>
-            <a:pPr algn="ctr"/>
-            <a:r>
-              <a:rPr lang="en-US" sz="2400" dirty="0"/>
-              <a:t>Mediator</a:t>
-            </a:r>
-          </a:p>
-        </p:txBody>
-      </p:sp>
-      <p:cxnSp>
-        <p:nvCxnSpPr>
-          <p:cNvPr id="7" name="Straight Arrow Connector 6">
-            <a:extLst>
-              <a:ext uri="{FF2B5EF4-FFF2-40B4-BE49-F238E27FC236}">
-                <a16:creationId xmlns:a16="http://schemas.microsoft.com/office/drawing/2014/main" id="{F7585EB0-591B-4821-B83F-C5DB6F6E8366}"/>
-              </a:ext>
-            </a:extLst>
-          </p:cNvPr>
-          <p:cNvCxnSpPr>
-            <a:cxnSpLocks/>
-          </p:cNvCxnSpPr>
-          <p:nvPr/>
-        </p:nvCxnSpPr>
-        <p:spPr>
-          <a:xfrm flipV="1">
-            <a:off x="2995773" y="2852799"/>
-            <a:ext cx="1925548" cy="2"/>
-          </a:xfrm>
-          <a:prstGeom prst="straightConnector1">
-            <a:avLst/>
-          </a:prstGeom>
-          <a:ln w="57150">
-            <a:headEnd type="none" w="med" len="med"/>
-            <a:tailEnd type="arrow" w="med" len="med"/>
+          <a:solidFill>
+            <a:srgbClr val="FFFF00">
+              <a:alpha val="30000"/>
+            </a:srgbClr>
+          </a:solidFill>
+          <a:ln>
+            <a:solidFill>
+              <a:srgbClr val="FFC000"/>
+            </a:solidFill>
           </a:ln>
         </p:spPr>
         <p:style>
-          <a:lnRef idx="3">
-            <a:schemeClr val="dk1"/>
-          </a:lnRef>
-          <a:fillRef idx="0">
-            <a:schemeClr val="dk1"/>
-          </a:fillRef>
-          <a:effectRef idx="2">
-            <a:schemeClr val="dk1"/>
-          </a:effectRef>
-          <a:fontRef idx="minor">
-            <a:schemeClr val="tx1"/>
-          </a:fontRef>
-        </p:style>
-      </p:cxnSp>
-      <p:sp>
-        <p:nvSpPr>
-          <p:cNvPr id="15" name="Title 14">
-            <a:extLst>
-              <a:ext uri="{FF2B5EF4-FFF2-40B4-BE49-F238E27FC236}">
-                <a16:creationId xmlns:a16="http://schemas.microsoft.com/office/drawing/2014/main" id="{AFAEB86A-5257-4BEB-B72F-23FB7DF16ECF}"/>
-              </a:ext>
-            </a:extLst>
-          </p:cNvPr>
-          <p:cNvSpPr>
-            <a:spLocks noGrp="1"/>
-          </p:cNvSpPr>
-          <p:nvPr>
-            <p:ph type="title"/>
-          </p:nvPr>
-        </p:nvSpPr>
-        <p:spPr/>
-        <p:txBody>
-          <a:bodyPr/>
-          <a:lstStyle/>
-          <a:p>
-            <a:r>
-              <a:rPr lang="en-US" dirty="0"/>
-              <a:t>Mediator Pattern</a:t>
-            </a:r>
-          </a:p>
-        </p:txBody>
-      </p:sp>
-      <p:sp>
-        <p:nvSpPr>
-          <p:cNvPr id="2" name="Rectangle 1">
-            <a:extLst>
-              <a:ext uri="{FF2B5EF4-FFF2-40B4-BE49-F238E27FC236}">
-                <a16:creationId xmlns:a16="http://schemas.microsoft.com/office/drawing/2014/main" id="{B60FD285-FAEB-403E-917C-84F64323965C}"/>
-              </a:ext>
-            </a:extLst>
-          </p:cNvPr>
-          <p:cNvSpPr/>
-          <p:nvPr/>
-        </p:nvSpPr>
-        <p:spPr>
-          <a:xfrm>
-            <a:off x="9004441" y="2415562"/>
-            <a:ext cx="2157573" cy="1176389"/>
-          </a:xfrm>
-          <a:prstGeom prst="rect">
-            <a:avLst/>
-          </a:prstGeom>
-        </p:spPr>
-        <p:style>
           <a:lnRef idx="1">
-            <a:schemeClr val="accent4"/>
+            <a:schemeClr val="accent6"/>
           </a:lnRef>
           <a:fillRef idx="2">
-            <a:schemeClr val="accent4"/>
+            <a:schemeClr val="accent6"/>
           </a:fillRef>
           <a:effectRef idx="1">
-            <a:schemeClr val="accent4"/>
+            <a:schemeClr val="accent6"/>
           </a:effectRef>
           <a:fontRef idx="minor">
             <a:schemeClr val="dk1"/>
@@ -11496,143 +11029,14 @@
           <a:lstStyle/>
           <a:p>
             <a:pPr algn="ctr"/>
-            <a:r>
-              <a:rPr lang="en-US" sz="2400" dirty="0"/>
-              <a:t>Component B</a:t>
-            </a:r>
+            <a:endParaRPr lang="en-US"/>
           </a:p>
         </p:txBody>
       </p:sp>
-      <p:cxnSp>
-        <p:nvCxnSpPr>
-          <p:cNvPr id="16" name="Straight Arrow Connector 15">
-            <a:extLst>
-              <a:ext uri="{FF2B5EF4-FFF2-40B4-BE49-F238E27FC236}">
-                <a16:creationId xmlns:a16="http://schemas.microsoft.com/office/drawing/2014/main" id="{867EB201-B4A1-4C3F-B598-015E1670EFFE}"/>
-              </a:ext>
-            </a:extLst>
-          </p:cNvPr>
-          <p:cNvCxnSpPr>
-            <a:cxnSpLocks/>
-          </p:cNvCxnSpPr>
-          <p:nvPr/>
-        </p:nvCxnSpPr>
-        <p:spPr>
-          <a:xfrm flipH="1">
-            <a:off x="7060059" y="3183914"/>
-            <a:ext cx="1925548" cy="0"/>
-          </a:xfrm>
-          <a:prstGeom prst="straightConnector1">
-            <a:avLst/>
-          </a:prstGeom>
-          <a:ln w="57150">
-            <a:headEnd type="none" w="med" len="med"/>
-            <a:tailEnd type="arrow" w="med" len="med"/>
-          </a:ln>
-        </p:spPr>
-        <p:style>
-          <a:lnRef idx="3">
-            <a:schemeClr val="dk1"/>
-          </a:lnRef>
-          <a:fillRef idx="0">
-            <a:schemeClr val="dk1"/>
-          </a:fillRef>
-          <a:effectRef idx="2">
-            <a:schemeClr val="dk1"/>
-          </a:effectRef>
-          <a:fontRef idx="minor">
-            <a:schemeClr val="tx1"/>
-          </a:fontRef>
-        </p:style>
-      </p:cxnSp>
-      <p:cxnSp>
-        <p:nvCxnSpPr>
-          <p:cNvPr id="26" name="Straight Arrow Connector 25">
-            <a:extLst>
-              <a:ext uri="{FF2B5EF4-FFF2-40B4-BE49-F238E27FC236}">
-                <a16:creationId xmlns:a16="http://schemas.microsoft.com/office/drawing/2014/main" id="{BDCAFD73-DF96-42B3-878C-5F03D171ED86}"/>
-              </a:ext>
-            </a:extLst>
-          </p:cNvPr>
-          <p:cNvCxnSpPr>
-            <a:cxnSpLocks/>
-          </p:cNvCxnSpPr>
-          <p:nvPr/>
-        </p:nvCxnSpPr>
-        <p:spPr>
-          <a:xfrm flipV="1">
-            <a:off x="7097727" y="2852799"/>
-            <a:ext cx="1925548" cy="2"/>
-          </a:xfrm>
-          <a:prstGeom prst="straightConnector1">
-            <a:avLst/>
-          </a:prstGeom>
-          <a:ln w="57150">
-            <a:headEnd type="none" w="med" len="med"/>
-            <a:tailEnd type="arrow" w="med" len="med"/>
-          </a:ln>
-        </p:spPr>
-        <p:style>
-          <a:lnRef idx="3">
-            <a:schemeClr val="dk1"/>
-          </a:lnRef>
-          <a:fillRef idx="0">
-            <a:schemeClr val="dk1"/>
-          </a:fillRef>
-          <a:effectRef idx="2">
-            <a:schemeClr val="dk1"/>
-          </a:effectRef>
-          <a:fontRef idx="minor">
-            <a:schemeClr val="tx1"/>
-          </a:fontRef>
-        </p:style>
-      </p:cxnSp>
-      <p:cxnSp>
-        <p:nvCxnSpPr>
-          <p:cNvPr id="28" name="Straight Arrow Connector 27">
-            <a:extLst>
-              <a:ext uri="{FF2B5EF4-FFF2-40B4-BE49-F238E27FC236}">
-                <a16:creationId xmlns:a16="http://schemas.microsoft.com/office/drawing/2014/main" id="{FF4C1CCC-6CAF-45E6-B715-188DDEE7E698}"/>
-              </a:ext>
-            </a:extLst>
-          </p:cNvPr>
-          <p:cNvCxnSpPr>
-            <a:cxnSpLocks/>
-          </p:cNvCxnSpPr>
-          <p:nvPr/>
-        </p:nvCxnSpPr>
-        <p:spPr>
-          <a:xfrm flipH="1">
-            <a:off x="2994031" y="3183914"/>
-            <a:ext cx="1925548" cy="0"/>
-          </a:xfrm>
-          <a:prstGeom prst="straightConnector1">
-            <a:avLst/>
-          </a:prstGeom>
-          <a:ln w="57150">
-            <a:headEnd type="none" w="med" len="med"/>
-            <a:tailEnd type="arrow" w="med" len="med"/>
-          </a:ln>
-        </p:spPr>
-        <p:style>
-          <a:lnRef idx="3">
-            <a:schemeClr val="dk1"/>
-          </a:lnRef>
-          <a:fillRef idx="0">
-            <a:schemeClr val="dk1"/>
-          </a:fillRef>
-          <a:effectRef idx="2">
-            <a:schemeClr val="dk1"/>
-          </a:effectRef>
-          <a:fontRef idx="minor">
-            <a:schemeClr val="tx1"/>
-          </a:fontRef>
-        </p:style>
-      </p:cxnSp>
     </p:spTree>
     <p:extLst>
       <p:ext uri="{BB962C8B-B14F-4D97-AF65-F5344CB8AC3E}">
-        <p14:creationId xmlns:p14="http://schemas.microsoft.com/office/powerpoint/2010/main" val="659522016"/>
+        <p14:creationId xmlns:p14="http://schemas.microsoft.com/office/powerpoint/2010/main" val="4029022658"/>
       </p:ext>
     </p:extLst>
   </p:cSld>
@@ -11676,7 +11080,52 @@
                                           </p:stCondLst>
                                         </p:cTn>
                                         <p:tgtEl>
-                                          <p:spTgt spid="2"/>
+                                          <p:spTgt spid="6"/>
+                                        </p:tgtEl>
+                                        <p:attrNameLst>
+                                          <p:attrName>style.visibility</p:attrName>
+                                        </p:attrNameLst>
+                                      </p:cBhvr>
+                                      <p:to>
+                                        <p:strVal val="visible"/>
+                                      </p:to>
+                                    </p:set>
+                                  </p:childTnLst>
+                                </p:cTn>
+                              </p:par>
+                            </p:childTnLst>
+                          </p:cTn>
+                        </p:par>
+                      </p:childTnLst>
+                    </p:cTn>
+                  </p:par>
+                  <p:par>
+                    <p:cTn id="7" fill="hold">
+                      <p:stCondLst>
+                        <p:cond delay="indefinite"/>
+                      </p:stCondLst>
+                      <p:childTnLst>
+                        <p:par>
+                          <p:cTn id="8" fill="hold">
+                            <p:stCondLst>
+                              <p:cond delay="0"/>
+                            </p:stCondLst>
+                            <p:childTnLst>
+                              <p:par>
+                                <p:cTn id="9" presetID="1" presetClass="entr" presetSubtype="0" fill="hold" grpId="0" nodeType="clickEffect">
+                                  <p:stCondLst>
+                                    <p:cond delay="0"/>
+                                  </p:stCondLst>
+                                  <p:childTnLst>
+                                    <p:set>
+                                      <p:cBhvr>
+                                        <p:cTn id="10" dur="1" fill="hold">
+                                          <p:stCondLst>
+                                            <p:cond delay="0"/>
+                                          </p:stCondLst>
+                                        </p:cTn>
+                                        <p:tgtEl>
+                                          <p:spTgt spid="3"/>
                                         </p:tgtEl>
                                         <p:attrNameLst>
                                           <p:attrName>style.visibility</p:attrName>
@@ -11717,13 +11166,14 @@
       </p:par>
     </p:tnLst>
     <p:bldLst>
-      <p:bldP spid="2" grpId="0" animBg="1"/>
+      <p:bldP spid="3" grpId="0" animBg="1"/>
+      <p:bldP spid="6" grpId="0" animBg="1"/>
     </p:bldLst>
   </p:timing>
 </p:sld>
 </file>
 
-<file path=ppt/slides/slide6.xml><?xml version="1.0" encoding="utf-8"?>
+<file path=ppt/slides/slide3.xml><?xml version="1.0" encoding="utf-8"?>
 <p:sld xmlns:a="http://schemas.openxmlformats.org/drawingml/2006/main" xmlns:r="http://schemas.openxmlformats.org/officeDocument/2006/relationships" xmlns:p="http://schemas.openxmlformats.org/presentationml/2006/main">
   <p:cSld>
     <p:spTree>
@@ -11742,107 +11192,10 @@
       </p:grpSpPr>
       <p:sp>
         <p:nvSpPr>
-          <p:cNvPr id="4" name="Rectangle 3">
+          <p:cNvPr id="4" name="Title 3">
             <a:extLst>
               <a:ext uri="{FF2B5EF4-FFF2-40B4-BE49-F238E27FC236}">
-                <a16:creationId xmlns:a16="http://schemas.microsoft.com/office/drawing/2014/main" id="{A8B79B27-783B-44BF-B726-21F1CA031AF3}"/>
-              </a:ext>
-            </a:extLst>
-          </p:cNvPr>
-          <p:cNvSpPr/>
-          <p:nvPr/>
-        </p:nvSpPr>
-        <p:spPr>
-          <a:xfrm>
-            <a:off x="2384918" y="2578807"/>
-            <a:ext cx="2157573" cy="1176391"/>
-          </a:xfrm>
-          <a:prstGeom prst="rect">
-            <a:avLst/>
-          </a:prstGeom>
-        </p:spPr>
-        <p:style>
-          <a:lnRef idx="2">
-            <a:schemeClr val="accent1">
-              <a:shade val="50000"/>
-            </a:schemeClr>
-          </a:lnRef>
-          <a:fillRef idx="1">
-            <a:schemeClr val="accent1"/>
-          </a:fillRef>
-          <a:effectRef idx="0">
-            <a:schemeClr val="accent1"/>
-          </a:effectRef>
-          <a:fontRef idx="minor">
-            <a:schemeClr val="lt1"/>
-          </a:fontRef>
-        </p:style>
-        <p:txBody>
-          <a:bodyPr rtlCol="0" anchor="ctr"/>
-          <a:lstStyle/>
-          <a:p>
-            <a:pPr algn="ctr"/>
-            <a:r>
-              <a:rPr lang="en-US" sz="2400" dirty="0"/>
-              <a:t>Controller</a:t>
-            </a:r>
-            <a:endParaRPr lang="en-US" sz="2800" dirty="0"/>
-          </a:p>
-        </p:txBody>
-      </p:sp>
-      <p:sp>
-        <p:nvSpPr>
-          <p:cNvPr id="5" name="Rectangle 4">
-            <a:extLst>
-              <a:ext uri="{FF2B5EF4-FFF2-40B4-BE49-F238E27FC236}">
-                <a16:creationId xmlns:a16="http://schemas.microsoft.com/office/drawing/2014/main" id="{5E0D3878-F12D-4D66-BF2E-5CFC721746D7}"/>
-              </a:ext>
-            </a:extLst>
-          </p:cNvPr>
-          <p:cNvSpPr/>
-          <p:nvPr/>
-        </p:nvSpPr>
-        <p:spPr>
-          <a:xfrm>
-            <a:off x="6536473" y="2578807"/>
-            <a:ext cx="2157573" cy="1176391"/>
-          </a:xfrm>
-          <a:prstGeom prst="rect">
-            <a:avLst/>
-          </a:prstGeom>
-        </p:spPr>
-        <p:style>
-          <a:lnRef idx="1">
-            <a:schemeClr val="accent4"/>
-          </a:lnRef>
-          <a:fillRef idx="2">
-            <a:schemeClr val="accent4"/>
-          </a:fillRef>
-          <a:effectRef idx="1">
-            <a:schemeClr val="accent4"/>
-          </a:effectRef>
-          <a:fontRef idx="minor">
-            <a:schemeClr val="dk1"/>
-          </a:fontRef>
-        </p:style>
-        <p:txBody>
-          <a:bodyPr rtlCol="0" anchor="ctr"/>
-          <a:lstStyle/>
-          <a:p>
-            <a:pPr algn="ctr"/>
-            <a:r>
-              <a:rPr lang="en-US" sz="2400" dirty="0"/>
-              <a:t>Product Update Service</a:t>
-            </a:r>
-          </a:p>
-        </p:txBody>
-      </p:sp>
-      <p:sp>
-        <p:nvSpPr>
-          <p:cNvPr id="15" name="Title 14">
-            <a:extLst>
-              <a:ext uri="{FF2B5EF4-FFF2-40B4-BE49-F238E27FC236}">
-                <a16:creationId xmlns:a16="http://schemas.microsoft.com/office/drawing/2014/main" id="{AFAEB86A-5257-4BEB-B72F-23FB7DF16ECF}"/>
+                <a16:creationId xmlns:a16="http://schemas.microsoft.com/office/drawing/2014/main" id="{AC9546F8-CF6B-4682-ACED-898065C894A6}"/>
               </a:ext>
             </a:extLst>
           </p:cNvPr>
@@ -11850,764 +11203,173 @@
             <a:spLocks noGrp="1"/>
           </p:cNvSpPr>
           <p:nvPr>
-            <p:ph type="title"/>
+            <p:ph type="title" idx="4294967295"/>
           </p:nvPr>
         </p:nvSpPr>
-        <p:spPr/>
+        <p:spPr>
+          <a:xfrm>
+            <a:off x="113016" y="5172753"/>
+            <a:ext cx="8131995" cy="963613"/>
+          </a:xfrm>
+        </p:spPr>
         <p:txBody>
           <a:bodyPr/>
           <a:lstStyle/>
           <a:p>
             <a:r>
-              <a:rPr lang="en-US" dirty="0"/>
-              <a:t>Product Update Example</a:t>
+              <a:rPr lang="en-US" dirty="0">
+                <a:solidFill>
+                  <a:schemeClr val="bg1"/>
+                </a:solidFill>
+              </a:rPr>
+              <a:t>Standard ASP.NET MVC Folder Layout</a:t>
             </a:r>
           </a:p>
         </p:txBody>
       </p:sp>
-      <p:cxnSp>
-        <p:nvCxnSpPr>
-          <p:cNvPr id="9" name="Straight Arrow Connector 8">
+      <p:pic>
+        <p:nvPicPr>
+          <p:cNvPr id="2" name="Content Placeholder 1">
             <a:extLst>
               <a:ext uri="{FF2B5EF4-FFF2-40B4-BE49-F238E27FC236}">
-                <a16:creationId xmlns:a16="http://schemas.microsoft.com/office/drawing/2014/main" id="{6FE1B1B0-91F7-4CD2-9B7A-8B74E17081AD}"/>
+                <a16:creationId xmlns:a16="http://schemas.microsoft.com/office/drawing/2014/main" id="{31CAADFE-31F9-4B72-9CE7-9FC8A369F882}"/>
               </a:ext>
             </a:extLst>
           </p:cNvPr>
-          <p:cNvCxnSpPr>
-            <a:cxnSpLocks/>
-          </p:cNvCxnSpPr>
-          <p:nvPr/>
-        </p:nvCxnSpPr>
+          <p:cNvPicPr>
+            <a:picLocks noGrp="1" noChangeAspect="1"/>
+          </p:cNvPicPr>
+          <p:nvPr>
+            <p:ph idx="4294967295"/>
+          </p:nvPr>
+        </p:nvPicPr>
+        <p:blipFill>
+          <a:blip r:embed="rId2"/>
+          <a:stretch>
+            <a:fillRect/>
+          </a:stretch>
+        </p:blipFill>
         <p:spPr>
-          <a:xfrm flipV="1">
-            <a:off x="4571571" y="3006911"/>
-            <a:ext cx="1925548" cy="2"/>
+          <a:xfrm>
+            <a:off x="8311793" y="0"/>
+            <a:ext cx="2740004" cy="6599310"/>
           </a:xfrm>
-          <a:prstGeom prst="straightConnector1">
+          <a:prstGeom prst="rect">
             <a:avLst/>
           </a:prstGeom>
-          <a:ln w="57150">
-            <a:headEnd type="none" w="med" len="med"/>
-            <a:tailEnd type="arrow" w="med" len="med"/>
+          <a:ln>
+            <a:solidFill>
+              <a:schemeClr val="bg1">
+                <a:lumMod val="50000"/>
+              </a:schemeClr>
+            </a:solidFill>
           </a:ln>
         </p:spPr>
-        <p:style>
-          <a:lnRef idx="3">
-            <a:schemeClr val="dk1"/>
-          </a:lnRef>
-          <a:fillRef idx="0">
-            <a:schemeClr val="dk1"/>
-          </a:fillRef>
-          <a:effectRef idx="2">
-            <a:schemeClr val="dk1"/>
-          </a:effectRef>
-          <a:fontRef idx="minor">
-            <a:schemeClr val="tx1"/>
-          </a:fontRef>
-        </p:style>
-      </p:cxnSp>
-      <p:cxnSp>
-        <p:nvCxnSpPr>
-          <p:cNvPr id="10" name="Straight Arrow Connector 9">
+      </p:pic>
+      <p:sp>
+        <p:nvSpPr>
+          <p:cNvPr id="5" name="TextBox 4">
             <a:extLst>
               <a:ext uri="{FF2B5EF4-FFF2-40B4-BE49-F238E27FC236}">
-                <a16:creationId xmlns:a16="http://schemas.microsoft.com/office/drawing/2014/main" id="{0B9B58B7-D03D-4D98-885C-BF0DEF4C82F6}"/>
+                <a16:creationId xmlns:a16="http://schemas.microsoft.com/office/drawing/2014/main" id="{EC9EF27E-0B43-4E6D-A7C2-F68E0CC5BD7B}"/>
               </a:ext>
             </a:extLst>
           </p:cNvPr>
-          <p:cNvCxnSpPr>
-            <a:cxnSpLocks/>
-          </p:cNvCxnSpPr>
-          <p:nvPr/>
-        </p:nvCxnSpPr>
-        <p:spPr>
-          <a:xfrm flipH="1">
-            <a:off x="4569829" y="3338026"/>
-            <a:ext cx="1925548" cy="0"/>
-          </a:xfrm>
-          <a:prstGeom prst="straightConnector1">
-            <a:avLst/>
-          </a:prstGeom>
-          <a:ln w="57150">
-            <a:headEnd type="none" w="med" len="med"/>
-            <a:tailEnd type="arrow" w="med" len="med"/>
-          </a:ln>
-        </p:spPr>
-        <p:style>
-          <a:lnRef idx="3">
-            <a:schemeClr val="dk1"/>
-          </a:lnRef>
-          <a:fillRef idx="0">
-            <a:schemeClr val="dk1"/>
-          </a:fillRef>
-          <a:effectRef idx="2">
-            <a:schemeClr val="dk1"/>
-          </a:effectRef>
-          <a:fontRef idx="minor">
-            <a:schemeClr val="tx1"/>
-          </a:fontRef>
-        </p:style>
-      </p:cxnSp>
-    </p:spTree>
-    <p:extLst>
-      <p:ext uri="{BB962C8B-B14F-4D97-AF65-F5344CB8AC3E}">
-        <p14:creationId xmlns:p14="http://schemas.microsoft.com/office/powerpoint/2010/main" val="1550717451"/>
-      </p:ext>
-    </p:extLst>
-  </p:cSld>
-  <p:clrMapOvr>
-    <a:masterClrMapping/>
-  </p:clrMapOvr>
-  <p:transition>
-    <p:dissolve/>
-  </p:transition>
-</p:sld>
-</file>
-
-<file path=ppt/slides/slide7.xml><?xml version="1.0" encoding="utf-8"?>
-<p:sld xmlns:a="http://schemas.openxmlformats.org/drawingml/2006/main" xmlns:r="http://schemas.openxmlformats.org/officeDocument/2006/relationships" xmlns:p="http://schemas.openxmlformats.org/presentationml/2006/main">
-  <p:cSld>
-    <p:spTree>
-      <p:nvGrpSpPr>
-        <p:cNvPr id="1" name=""/>
-        <p:cNvGrpSpPr/>
-        <p:nvPr/>
-      </p:nvGrpSpPr>
-      <p:grpSpPr>
-        <a:xfrm>
-          <a:off x="0" y="0"/>
-          <a:ext cx="0" cy="0"/>
-          <a:chOff x="0" y="0"/>
-          <a:chExt cx="0" cy="0"/>
-        </a:xfrm>
-      </p:grpSpPr>
-      <p:sp>
-        <p:nvSpPr>
-          <p:cNvPr id="4" name="Rectangle 3">
-            <a:extLst>
-              <a:ext uri="{FF2B5EF4-FFF2-40B4-BE49-F238E27FC236}">
-                <a16:creationId xmlns:a16="http://schemas.microsoft.com/office/drawing/2014/main" id="{A8B79B27-783B-44BF-B726-21F1CA031AF3}"/>
-              </a:ext>
-            </a:extLst>
-          </p:cNvPr>
-          <p:cNvSpPr/>
+          <p:cNvSpPr txBox="1"/>
           <p:nvPr/>
         </p:nvSpPr>
         <p:spPr>
           <a:xfrm>
-            <a:off x="838200" y="2418715"/>
-            <a:ext cx="2157573" cy="1176391"/>
+            <a:off x="1280160" y="632957"/>
+            <a:ext cx="4600234" cy="661720"/>
           </a:xfrm>
           <a:prstGeom prst="rect">
             <a:avLst/>
           </a:prstGeom>
+          <a:noFill/>
         </p:spPr>
-        <p:style>
-          <a:lnRef idx="2">
-            <a:schemeClr val="accent1">
-              <a:shade val="50000"/>
-            </a:schemeClr>
-          </a:lnRef>
-          <a:fillRef idx="1">
-            <a:schemeClr val="accent1"/>
-          </a:fillRef>
-          <a:effectRef idx="0">
-            <a:schemeClr val="accent1"/>
-          </a:effectRef>
-          <a:fontRef idx="minor">
-            <a:schemeClr val="lt1"/>
-          </a:fontRef>
-        </p:style>
         <p:txBody>
-          <a:bodyPr rtlCol="0" anchor="ctr"/>
+          <a:bodyPr wrap="none" rtlCol="0">
+            <a:spAutoFit/>
+          </a:bodyPr>
           <a:lstStyle/>
           <a:p>
-            <a:pPr algn="ctr"/>
             <a:r>
-              <a:rPr lang="en-US" sz="2400" dirty="0"/>
-              <a:t>Controller</a:t>
+              <a:rPr lang="en-US" b="1" i="1" dirty="0">
+                <a:solidFill>
+                  <a:schemeClr val="accent6">
+                    <a:lumMod val="75000"/>
+                  </a:schemeClr>
+                </a:solidFill>
+              </a:rPr>
+              <a:t>Technical</a:t>
+            </a:r>
+            <a:r>
+              <a:rPr lang="en-US" i="1" dirty="0"/>
+              <a:t> </a:t>
+            </a:r>
+            <a:r>
+              <a:rPr lang="en-US" dirty="0"/>
+              <a:t>relationships</a:t>
             </a:r>
           </a:p>
         </p:txBody>
       </p:sp>
       <p:sp>
         <p:nvSpPr>
-          <p:cNvPr id="5" name="Rectangle 4">
+          <p:cNvPr id="7" name="TextBox 6">
             <a:extLst>
               <a:ext uri="{FF2B5EF4-FFF2-40B4-BE49-F238E27FC236}">
-                <a16:creationId xmlns:a16="http://schemas.microsoft.com/office/drawing/2014/main" id="{5E0D3878-F12D-4D66-BF2E-5CFC721746D7}"/>
+                <a16:creationId xmlns:a16="http://schemas.microsoft.com/office/drawing/2014/main" id="{A9B73EA7-6989-4082-AEFB-559B90E7E60B}"/>
               </a:ext>
             </a:extLst>
           </p:cNvPr>
-          <p:cNvSpPr/>
+          <p:cNvSpPr txBox="1"/>
           <p:nvPr/>
         </p:nvSpPr>
         <p:spPr>
           <a:xfrm>
-            <a:off x="4921321" y="2418712"/>
-            <a:ext cx="2157573" cy="1176391"/>
+            <a:off x="1376290" y="2146222"/>
+            <a:ext cx="6291851" cy="661720"/>
           </a:xfrm>
           <a:prstGeom prst="rect">
             <a:avLst/>
           </a:prstGeom>
+          <a:noFill/>
         </p:spPr>
-        <p:style>
-          <a:lnRef idx="2">
-            <a:schemeClr val="accent6">
-              <a:shade val="50000"/>
-            </a:schemeClr>
-          </a:lnRef>
-          <a:fillRef idx="1">
-            <a:schemeClr val="accent6"/>
-          </a:fillRef>
-          <a:effectRef idx="0">
-            <a:schemeClr val="accent6"/>
-          </a:effectRef>
-          <a:fontRef idx="minor">
-            <a:schemeClr val="lt1"/>
-          </a:fontRef>
-        </p:style>
         <p:txBody>
-          <a:bodyPr rtlCol="0" anchor="ctr"/>
+          <a:bodyPr wrap="none" rtlCol="0">
+            <a:spAutoFit/>
+          </a:bodyPr>
           <a:lstStyle/>
           <a:p>
-            <a:pPr algn="ctr"/>
             <a:r>
-              <a:rPr lang="en-US" sz="2400" dirty="0"/>
-              <a:t>Mediator</a:t>
+              <a:rPr lang="en-US" dirty="0"/>
+              <a:t>rather than </a:t>
+            </a:r>
+            <a:r>
+              <a:rPr lang="en-US" b="1" i="1" dirty="0">
+                <a:solidFill>
+                  <a:srgbClr val="00B050"/>
+                </a:solidFill>
+              </a:rPr>
+              <a:t>logical</a:t>
+            </a:r>
+            <a:r>
+              <a:rPr lang="en-US" i="1" dirty="0"/>
+              <a:t> </a:t>
+            </a:r>
+            <a:r>
+              <a:rPr lang="en-US" dirty="0"/>
+              <a:t>relationships</a:t>
             </a:r>
           </a:p>
         </p:txBody>
       </p:sp>
-      <p:grpSp>
-        <p:nvGrpSpPr>
-          <p:cNvPr id="20" name="Group 19">
-            <a:extLst>
-              <a:ext uri="{FF2B5EF4-FFF2-40B4-BE49-F238E27FC236}">
-                <a16:creationId xmlns:a16="http://schemas.microsoft.com/office/drawing/2014/main" id="{4BABDEDD-912E-48A2-A6C7-50C98F81B49C}"/>
-              </a:ext>
-            </a:extLst>
-          </p:cNvPr>
-          <p:cNvGrpSpPr/>
-          <p:nvPr/>
-        </p:nvGrpSpPr>
-        <p:grpSpPr>
-          <a:xfrm>
-            <a:off x="2995773" y="2436043"/>
-            <a:ext cx="1925548" cy="570868"/>
-            <a:chOff x="2995773" y="2436043"/>
-            <a:chExt cx="1925548" cy="570868"/>
-          </a:xfrm>
-        </p:grpSpPr>
-        <p:sp>
-          <p:nvSpPr>
-            <p:cNvPr id="8" name="TextBox 7">
-              <a:extLst>
-                <a:ext uri="{FF2B5EF4-FFF2-40B4-BE49-F238E27FC236}">
-                  <a16:creationId xmlns:a16="http://schemas.microsoft.com/office/drawing/2014/main" id="{E5A25B7F-2291-4A50-8C07-D434C7F1B73A}"/>
-                </a:ext>
-              </a:extLst>
-            </p:cNvPr>
-            <p:cNvSpPr txBox="1"/>
-            <p:nvPr/>
-          </p:nvSpPr>
-          <p:spPr>
-            <a:xfrm>
-              <a:off x="3315712" y="2436043"/>
-              <a:ext cx="1304504" cy="461665"/>
-            </a:xfrm>
-            <a:prstGeom prst="rect">
-              <a:avLst/>
-            </a:prstGeom>
-          </p:spPr>
-          <p:style>
-            <a:lnRef idx="1">
-              <a:schemeClr val="accent3"/>
-            </a:lnRef>
-            <a:fillRef idx="2">
-              <a:schemeClr val="accent3"/>
-            </a:fillRef>
-            <a:effectRef idx="1">
-              <a:schemeClr val="accent3"/>
-            </a:effectRef>
-            <a:fontRef idx="minor">
-              <a:schemeClr val="dk1"/>
-            </a:fontRef>
-          </p:style>
-          <p:txBody>
-            <a:bodyPr wrap="square" rtlCol="0" anchor="ctr">
-              <a:spAutoFit/>
-            </a:bodyPr>
-            <a:lstStyle/>
-            <a:p>
-              <a:pPr algn="ctr"/>
-              <a:r>
-                <a:rPr lang="en-US" sz="2400" dirty="0"/>
-                <a:t>Request</a:t>
-              </a:r>
-            </a:p>
-          </p:txBody>
-        </p:sp>
-        <p:cxnSp>
-          <p:nvCxnSpPr>
-            <p:cNvPr id="7" name="Straight Arrow Connector 6">
-              <a:extLst>
-                <a:ext uri="{FF2B5EF4-FFF2-40B4-BE49-F238E27FC236}">
-                  <a16:creationId xmlns:a16="http://schemas.microsoft.com/office/drawing/2014/main" id="{F7585EB0-591B-4821-B83F-C5DB6F6E8366}"/>
-                </a:ext>
-              </a:extLst>
-            </p:cNvPr>
-            <p:cNvCxnSpPr>
-              <a:cxnSpLocks/>
-              <a:stCxn id="4" idx="3"/>
-            </p:cNvCxnSpPr>
-            <p:nvPr/>
-          </p:nvCxnSpPr>
-          <p:spPr>
-            <a:xfrm flipV="1">
-              <a:off x="2995773" y="3006909"/>
-              <a:ext cx="1925548" cy="2"/>
-            </a:xfrm>
-            <a:prstGeom prst="straightConnector1">
-              <a:avLst/>
-            </a:prstGeom>
-            <a:ln w="57150">
-              <a:headEnd type="none" w="med" len="med"/>
-              <a:tailEnd type="arrow" w="med" len="med"/>
-            </a:ln>
-          </p:spPr>
-          <p:style>
-            <a:lnRef idx="3">
-              <a:schemeClr val="dk1"/>
-            </a:lnRef>
-            <a:fillRef idx="0">
-              <a:schemeClr val="dk1"/>
-            </a:fillRef>
-            <a:effectRef idx="2">
-              <a:schemeClr val="dk1"/>
-            </a:effectRef>
-            <a:fontRef idx="minor">
-              <a:schemeClr val="tx1"/>
-            </a:fontRef>
-          </p:style>
-        </p:cxnSp>
-      </p:grpSp>
-      <p:sp>
-        <p:nvSpPr>
-          <p:cNvPr id="15" name="Title 14">
-            <a:extLst>
-              <a:ext uri="{FF2B5EF4-FFF2-40B4-BE49-F238E27FC236}">
-                <a16:creationId xmlns:a16="http://schemas.microsoft.com/office/drawing/2014/main" id="{AFAEB86A-5257-4BEB-B72F-23FB7DF16ECF}"/>
-              </a:ext>
-            </a:extLst>
-          </p:cNvPr>
-          <p:cNvSpPr>
-            <a:spLocks noGrp="1"/>
-          </p:cNvSpPr>
-          <p:nvPr>
-            <p:ph type="title"/>
-          </p:nvPr>
-        </p:nvSpPr>
-        <p:spPr/>
-        <p:txBody>
-          <a:bodyPr/>
-          <a:lstStyle/>
-          <a:p>
-            <a:r>
-              <a:rPr lang="en-US" dirty="0"/>
-              <a:t>Mediator Pattern in Action</a:t>
-            </a:r>
-          </a:p>
-        </p:txBody>
-      </p:sp>
-      <p:sp>
-        <p:nvSpPr>
-          <p:cNvPr id="2" name="Rectangle 1">
-            <a:extLst>
-              <a:ext uri="{FF2B5EF4-FFF2-40B4-BE49-F238E27FC236}">
-                <a16:creationId xmlns:a16="http://schemas.microsoft.com/office/drawing/2014/main" id="{B60FD285-FAEB-403E-917C-84F64323965C}"/>
-              </a:ext>
-            </a:extLst>
-          </p:cNvPr>
-          <p:cNvSpPr/>
-          <p:nvPr/>
-        </p:nvSpPr>
-        <p:spPr>
-          <a:xfrm>
-            <a:off x="9004441" y="2415562"/>
-            <a:ext cx="2157573" cy="1176389"/>
-          </a:xfrm>
-          <a:prstGeom prst="rect">
-            <a:avLst/>
-          </a:prstGeom>
-        </p:spPr>
-        <p:style>
-          <a:lnRef idx="1">
-            <a:schemeClr val="accent4"/>
-          </a:lnRef>
-          <a:fillRef idx="2">
-            <a:schemeClr val="accent4"/>
-          </a:fillRef>
-          <a:effectRef idx="1">
-            <a:schemeClr val="accent4"/>
-          </a:effectRef>
-          <a:fontRef idx="minor">
-            <a:schemeClr val="dk1"/>
-          </a:fontRef>
-        </p:style>
-        <p:txBody>
-          <a:bodyPr rtlCol="0" anchor="ctr"/>
-          <a:lstStyle/>
-          <a:p>
-            <a:pPr algn="ctr"/>
-            <a:r>
-              <a:rPr lang="en-US" sz="2400" dirty="0"/>
-              <a:t>Product Update Service</a:t>
-            </a:r>
-          </a:p>
-        </p:txBody>
-      </p:sp>
-      <p:grpSp>
-        <p:nvGrpSpPr>
-          <p:cNvPr id="22" name="Group 21">
-            <a:extLst>
-              <a:ext uri="{FF2B5EF4-FFF2-40B4-BE49-F238E27FC236}">
-                <a16:creationId xmlns:a16="http://schemas.microsoft.com/office/drawing/2014/main" id="{0647F122-6B0D-456F-A708-BDD23ED5C3E9}"/>
-              </a:ext>
-            </a:extLst>
-          </p:cNvPr>
-          <p:cNvGrpSpPr/>
-          <p:nvPr/>
-        </p:nvGrpSpPr>
-        <p:grpSpPr>
-          <a:xfrm>
-            <a:off x="7060059" y="3338024"/>
-            <a:ext cx="1925548" cy="482816"/>
-            <a:chOff x="7060059" y="3338024"/>
-            <a:chExt cx="1925548" cy="482816"/>
-          </a:xfrm>
-        </p:grpSpPr>
-        <p:cxnSp>
-          <p:nvCxnSpPr>
-            <p:cNvPr id="16" name="Straight Arrow Connector 15">
-              <a:extLst>
-                <a:ext uri="{FF2B5EF4-FFF2-40B4-BE49-F238E27FC236}">
-                  <a16:creationId xmlns:a16="http://schemas.microsoft.com/office/drawing/2014/main" id="{867EB201-B4A1-4C3F-B598-015E1670EFFE}"/>
-                </a:ext>
-              </a:extLst>
-            </p:cNvPr>
-            <p:cNvCxnSpPr>
-              <a:cxnSpLocks/>
-            </p:cNvCxnSpPr>
-            <p:nvPr/>
-          </p:nvCxnSpPr>
-          <p:spPr>
-            <a:xfrm flipH="1">
-              <a:off x="7060059" y="3338024"/>
-              <a:ext cx="1925548" cy="0"/>
-            </a:xfrm>
-            <a:prstGeom prst="straightConnector1">
-              <a:avLst/>
-            </a:prstGeom>
-            <a:ln w="57150">
-              <a:headEnd type="none" w="med" len="med"/>
-              <a:tailEnd type="arrow" w="med" len="med"/>
-            </a:ln>
-          </p:spPr>
-          <p:style>
-            <a:lnRef idx="3">
-              <a:schemeClr val="dk1"/>
-            </a:lnRef>
-            <a:fillRef idx="0">
-              <a:schemeClr val="dk1"/>
-            </a:fillRef>
-            <a:effectRef idx="2">
-              <a:schemeClr val="dk1"/>
-            </a:effectRef>
-            <a:fontRef idx="minor">
-              <a:schemeClr val="tx1"/>
-            </a:fontRef>
-          </p:style>
-        </p:cxnSp>
-        <p:sp>
-          <p:nvSpPr>
-            <p:cNvPr id="18" name="TextBox 17">
-              <a:extLst>
-                <a:ext uri="{FF2B5EF4-FFF2-40B4-BE49-F238E27FC236}">
-                  <a16:creationId xmlns:a16="http://schemas.microsoft.com/office/drawing/2014/main" id="{5E215571-F2D3-4E0E-ACA3-3FDC5BAA9480}"/>
-                </a:ext>
-              </a:extLst>
-            </p:cNvPr>
-            <p:cNvSpPr txBox="1"/>
-            <p:nvPr/>
-          </p:nvSpPr>
-          <p:spPr>
-            <a:xfrm>
-              <a:off x="7417665" y="3420730"/>
-              <a:ext cx="1304505" cy="400110"/>
-            </a:xfrm>
-            <a:prstGeom prst="rect">
-              <a:avLst/>
-            </a:prstGeom>
-          </p:spPr>
-          <p:style>
-            <a:lnRef idx="1">
-              <a:schemeClr val="accent2"/>
-            </a:lnRef>
-            <a:fillRef idx="2">
-              <a:schemeClr val="accent2"/>
-            </a:fillRef>
-            <a:effectRef idx="1">
-              <a:schemeClr val="accent2"/>
-            </a:effectRef>
-            <a:fontRef idx="minor">
-              <a:schemeClr val="dk1"/>
-            </a:fontRef>
-          </p:style>
-          <p:txBody>
-            <a:bodyPr wrap="square" rtlCol="0" anchor="ctr">
-              <a:spAutoFit/>
-            </a:bodyPr>
-            <a:lstStyle/>
-            <a:p>
-              <a:pPr algn="ctr"/>
-              <a:r>
-                <a:rPr lang="en-US" sz="2000" dirty="0"/>
-                <a:t>Response</a:t>
-              </a:r>
-            </a:p>
-          </p:txBody>
-        </p:sp>
-      </p:grpSp>
-      <p:grpSp>
-        <p:nvGrpSpPr>
-          <p:cNvPr id="24" name="Group 23">
-            <a:extLst>
-              <a:ext uri="{FF2B5EF4-FFF2-40B4-BE49-F238E27FC236}">
-                <a16:creationId xmlns:a16="http://schemas.microsoft.com/office/drawing/2014/main" id="{1BB0E8B0-D851-44CD-85EB-52F6D55C46B7}"/>
-              </a:ext>
-            </a:extLst>
-          </p:cNvPr>
-          <p:cNvGrpSpPr/>
-          <p:nvPr/>
-        </p:nvGrpSpPr>
-        <p:grpSpPr>
-          <a:xfrm>
-            <a:off x="7097727" y="2436043"/>
-            <a:ext cx="1925548" cy="570868"/>
-            <a:chOff x="2995773" y="2436043"/>
-            <a:chExt cx="1925548" cy="570868"/>
-          </a:xfrm>
-        </p:grpSpPr>
-        <p:sp>
-          <p:nvSpPr>
-            <p:cNvPr id="25" name="TextBox 24">
-              <a:extLst>
-                <a:ext uri="{FF2B5EF4-FFF2-40B4-BE49-F238E27FC236}">
-                  <a16:creationId xmlns:a16="http://schemas.microsoft.com/office/drawing/2014/main" id="{6C273256-F50D-45C6-8A77-19B2B6B5BE2E}"/>
-                </a:ext>
-              </a:extLst>
-            </p:cNvPr>
-            <p:cNvSpPr txBox="1"/>
-            <p:nvPr/>
-          </p:nvSpPr>
-          <p:spPr>
-            <a:xfrm>
-              <a:off x="3315712" y="2436043"/>
-              <a:ext cx="1304504" cy="461665"/>
-            </a:xfrm>
-            <a:prstGeom prst="rect">
-              <a:avLst/>
-            </a:prstGeom>
-          </p:spPr>
-          <p:style>
-            <a:lnRef idx="1">
-              <a:schemeClr val="accent3"/>
-            </a:lnRef>
-            <a:fillRef idx="2">
-              <a:schemeClr val="accent3"/>
-            </a:fillRef>
-            <a:effectRef idx="1">
-              <a:schemeClr val="accent3"/>
-            </a:effectRef>
-            <a:fontRef idx="minor">
-              <a:schemeClr val="dk1"/>
-            </a:fontRef>
-          </p:style>
-          <p:txBody>
-            <a:bodyPr wrap="square" rtlCol="0" anchor="ctr">
-              <a:spAutoFit/>
-            </a:bodyPr>
-            <a:lstStyle/>
-            <a:p>
-              <a:pPr algn="ctr"/>
-              <a:r>
-                <a:rPr lang="en-US" sz="2400" dirty="0"/>
-                <a:t>Request</a:t>
-              </a:r>
-            </a:p>
-          </p:txBody>
-        </p:sp>
-        <p:cxnSp>
-          <p:nvCxnSpPr>
-            <p:cNvPr id="26" name="Straight Arrow Connector 25">
-              <a:extLst>
-                <a:ext uri="{FF2B5EF4-FFF2-40B4-BE49-F238E27FC236}">
-                  <a16:creationId xmlns:a16="http://schemas.microsoft.com/office/drawing/2014/main" id="{BDCAFD73-DF96-42B3-878C-5F03D171ED86}"/>
-                </a:ext>
-              </a:extLst>
-            </p:cNvPr>
-            <p:cNvCxnSpPr>
-              <a:cxnSpLocks/>
-            </p:cNvCxnSpPr>
-            <p:nvPr/>
-          </p:nvCxnSpPr>
-          <p:spPr>
-            <a:xfrm flipV="1">
-              <a:off x="2995773" y="3006909"/>
-              <a:ext cx="1925548" cy="2"/>
-            </a:xfrm>
-            <a:prstGeom prst="straightConnector1">
-              <a:avLst/>
-            </a:prstGeom>
-            <a:ln w="57150">
-              <a:headEnd type="none" w="med" len="med"/>
-              <a:tailEnd type="arrow" w="med" len="med"/>
-            </a:ln>
-          </p:spPr>
-          <p:style>
-            <a:lnRef idx="3">
-              <a:schemeClr val="dk1"/>
-            </a:lnRef>
-            <a:fillRef idx="0">
-              <a:schemeClr val="dk1"/>
-            </a:fillRef>
-            <a:effectRef idx="2">
-              <a:schemeClr val="dk1"/>
-            </a:effectRef>
-            <a:fontRef idx="minor">
-              <a:schemeClr val="tx1"/>
-            </a:fontRef>
-          </p:style>
-        </p:cxnSp>
-      </p:grpSp>
-      <p:grpSp>
-        <p:nvGrpSpPr>
-          <p:cNvPr id="27" name="Group 26">
-            <a:extLst>
-              <a:ext uri="{FF2B5EF4-FFF2-40B4-BE49-F238E27FC236}">
-                <a16:creationId xmlns:a16="http://schemas.microsoft.com/office/drawing/2014/main" id="{1278090D-5B21-498C-BEB0-A8075642ED8A}"/>
-              </a:ext>
-            </a:extLst>
-          </p:cNvPr>
-          <p:cNvGrpSpPr/>
-          <p:nvPr/>
-        </p:nvGrpSpPr>
-        <p:grpSpPr>
-          <a:xfrm>
-            <a:off x="2994031" y="3338024"/>
-            <a:ext cx="1925548" cy="482816"/>
-            <a:chOff x="7060059" y="3338024"/>
-            <a:chExt cx="1925548" cy="482816"/>
-          </a:xfrm>
-        </p:grpSpPr>
-        <p:cxnSp>
-          <p:nvCxnSpPr>
-            <p:cNvPr id="28" name="Straight Arrow Connector 27">
-              <a:extLst>
-                <a:ext uri="{FF2B5EF4-FFF2-40B4-BE49-F238E27FC236}">
-                  <a16:creationId xmlns:a16="http://schemas.microsoft.com/office/drawing/2014/main" id="{FF4C1CCC-6CAF-45E6-B715-188DDEE7E698}"/>
-                </a:ext>
-              </a:extLst>
-            </p:cNvPr>
-            <p:cNvCxnSpPr>
-              <a:cxnSpLocks/>
-            </p:cNvCxnSpPr>
-            <p:nvPr/>
-          </p:nvCxnSpPr>
-          <p:spPr>
-            <a:xfrm flipH="1">
-              <a:off x="7060059" y="3338024"/>
-              <a:ext cx="1925548" cy="0"/>
-            </a:xfrm>
-            <a:prstGeom prst="straightConnector1">
-              <a:avLst/>
-            </a:prstGeom>
-            <a:ln w="57150">
-              <a:headEnd type="none" w="med" len="med"/>
-              <a:tailEnd type="arrow" w="med" len="med"/>
-            </a:ln>
-          </p:spPr>
-          <p:style>
-            <a:lnRef idx="3">
-              <a:schemeClr val="dk1"/>
-            </a:lnRef>
-            <a:fillRef idx="0">
-              <a:schemeClr val="dk1"/>
-            </a:fillRef>
-            <a:effectRef idx="2">
-              <a:schemeClr val="dk1"/>
-            </a:effectRef>
-            <a:fontRef idx="minor">
-              <a:schemeClr val="tx1"/>
-            </a:fontRef>
-          </p:style>
-        </p:cxnSp>
-        <p:sp>
-          <p:nvSpPr>
-            <p:cNvPr id="29" name="TextBox 28">
-              <a:extLst>
-                <a:ext uri="{FF2B5EF4-FFF2-40B4-BE49-F238E27FC236}">
-                  <a16:creationId xmlns:a16="http://schemas.microsoft.com/office/drawing/2014/main" id="{B1651684-5C36-4514-821D-06D4DC6F2E8B}"/>
-                </a:ext>
-              </a:extLst>
-            </p:cNvPr>
-            <p:cNvSpPr txBox="1"/>
-            <p:nvPr/>
-          </p:nvSpPr>
-          <p:spPr>
-            <a:xfrm>
-              <a:off x="7417665" y="3420730"/>
-              <a:ext cx="1304505" cy="400110"/>
-            </a:xfrm>
-            <a:prstGeom prst="rect">
-              <a:avLst/>
-            </a:prstGeom>
-          </p:spPr>
-          <p:style>
-            <a:lnRef idx="1">
-              <a:schemeClr val="accent2"/>
-            </a:lnRef>
-            <a:fillRef idx="2">
-              <a:schemeClr val="accent2"/>
-            </a:fillRef>
-            <a:effectRef idx="1">
-              <a:schemeClr val="accent2"/>
-            </a:effectRef>
-            <a:fontRef idx="minor">
-              <a:schemeClr val="dk1"/>
-            </a:fontRef>
-          </p:style>
-          <p:txBody>
-            <a:bodyPr wrap="square" rtlCol="0" anchor="ctr">
-              <a:spAutoFit/>
-            </a:bodyPr>
-            <a:lstStyle/>
-            <a:p>
-              <a:pPr algn="ctr"/>
-              <a:r>
-                <a:rPr lang="en-US" sz="2000" dirty="0"/>
-                <a:t>Response</a:t>
-              </a:r>
-            </a:p>
-          </p:txBody>
-        </p:sp>
-      </p:grpSp>
     </p:spTree>
     <p:extLst>
       <p:ext uri="{BB962C8B-B14F-4D97-AF65-F5344CB8AC3E}">
-        <p14:creationId xmlns:p14="http://schemas.microsoft.com/office/powerpoint/2010/main" val="392096666"/>
+        <p14:creationId xmlns:p14="http://schemas.microsoft.com/office/powerpoint/2010/main" val="2391038194"/>
       </p:ext>
     </p:extLst>
   </p:cSld>
@@ -12651,7 +11413,7 @@
                                           </p:stCondLst>
                                         </p:cTn>
                                         <p:tgtEl>
-                                          <p:spTgt spid="2"/>
+                                          <p:spTgt spid="5"/>
                                         </p:tgtEl>
                                         <p:attrNameLst>
                                           <p:attrName>style.visibility</p:attrName>
@@ -12667,99 +11429,36 @@
                             </p:childTnLst>
                           </p:cTn>
                         </p:par>
+                      </p:childTnLst>
+                    </p:cTn>
+                  </p:par>
+                  <p:par>
+                    <p:cTn id="7" fill="hold">
+                      <p:stCondLst>
+                        <p:cond delay="indefinite"/>
+                      </p:stCondLst>
+                      <p:childTnLst>
                         <p:par>
-                          <p:cTn id="7" fill="hold">
+                          <p:cTn id="8" fill="hold">
                             <p:stCondLst>
                               <p:cond delay="0"/>
                             </p:stCondLst>
                             <p:childTnLst>
                               <p:par>
-                                <p:cTn id="8" presetID="1" presetClass="entr" presetSubtype="0" fill="hold" nodeType="afterEffect">
+                                <p:cTn id="9" presetID="1" presetClass="entr" presetSubtype="0" fill="hold" grpId="0" nodeType="clickEffect">
                                   <p:stCondLst>
-                                    <p:cond delay="1000"/>
+                                    <p:cond delay="0"/>
                                   </p:stCondLst>
                                   <p:childTnLst>
                                     <p:set>
                                       <p:cBhvr>
-                                        <p:cTn id="9" dur="1" fill="hold">
+                                        <p:cTn id="10" dur="1" fill="hold">
                                           <p:stCondLst>
                                             <p:cond delay="0"/>
                                           </p:stCondLst>
                                         </p:cTn>
                                         <p:tgtEl>
-                                          <p:spTgt spid="24"/>
-                                        </p:tgtEl>
-                                        <p:attrNameLst>
-                                          <p:attrName>style.visibility</p:attrName>
-                                        </p:attrNameLst>
-                                      </p:cBhvr>
-                                      <p:to>
-                                        <p:strVal val="visible"/>
-                                      </p:to>
-                                    </p:set>
-                                  </p:childTnLst>
-                                </p:cTn>
-                              </p:par>
-                            </p:childTnLst>
-                          </p:cTn>
-                        </p:par>
-                        <p:par>
-                          <p:cTn id="10" fill="hold">
-                            <p:stCondLst>
-                              <p:cond delay="1000"/>
-                            </p:stCondLst>
-                            <p:childTnLst>
-                              <p:par>
-                                <p:cTn id="11" presetID="1" presetClass="entr" presetSubtype="0" fill="hold" nodeType="afterEffect">
-                                  <p:stCondLst>
-                                    <p:cond delay="1000"/>
-                                  </p:stCondLst>
-                                  <p:childTnLst>
-                                    <p:set>
-                                      <p:cBhvr>
-                                        <p:cTn id="12" dur="1" fill="hold">
-                                          <p:stCondLst>
-                                            <p:cond delay="0"/>
-                                          </p:stCondLst>
-                                        </p:cTn>
-                                        <p:tgtEl>
-                                          <p:spTgt spid="22"/>
-                                        </p:tgtEl>
-                                        <p:attrNameLst>
-                                          <p:attrName>style.visibility</p:attrName>
-                                        </p:attrNameLst>
-                                      </p:cBhvr>
-                                      <p:to>
-                                        <p:strVal val="visible"/>
-                                      </p:to>
-                                    </p:set>
-                                  </p:childTnLst>
-                                </p:cTn>
-                              </p:par>
-                            </p:childTnLst>
-                          </p:cTn>
-                        </p:par>
-                        <p:par>
-                          <p:cTn id="13" fill="hold">
-                            <p:stCondLst>
-                              <p:cond delay="2000"/>
-                            </p:stCondLst>
-                            <p:childTnLst>
-                              <p:par>
-                                <p:cTn id="14" presetID="1" presetClass="entr" presetSubtype="0" fill="hold" nodeType="afterEffect">
-                                  <p:stCondLst>
-                                    <p:cond delay="1000"/>
-                                  </p:stCondLst>
-                                  <p:childTnLst>
-                                    <p:set>
-                                      <p:cBhvr>
-                                        <p:cTn id="15" dur="1" fill="hold">
-                                          <p:stCondLst>
-                                            <p:cond delay="0"/>
-                                          </p:stCondLst>
-                                        </p:cTn>
-                                        <p:tgtEl>
-                                          <p:spTgt spid="27"/>
+                                          <p:spTgt spid="7"/>
                                         </p:tgtEl>
                                         <p:attrNameLst>
                                           <p:attrName>style.visibility</p:attrName>
@@ -12800,13 +11499,14 @@
       </p:par>
     </p:tnLst>
     <p:bldLst>
-      <p:bldP spid="2" grpId="0" animBg="1"/>
+      <p:bldP spid="5" grpId="0"/>
+      <p:bldP spid="7" grpId="0"/>
     </p:bldLst>
   </p:timing>
 </p:sld>
 </file>
 
-<file path=ppt/slides/slide8.xml><?xml version="1.0" encoding="utf-8"?>
+<file path=ppt/slides/slide4.xml><?xml version="1.0" encoding="utf-8"?>
 <p:sld xmlns:a="http://schemas.openxmlformats.org/drawingml/2006/main" xmlns:r="http://schemas.openxmlformats.org/officeDocument/2006/relationships" xmlns:p="http://schemas.openxmlformats.org/presentationml/2006/main">
   <p:cSld>
     <p:spTree>
@@ -12825,38 +11525,121 @@
       </p:grpSpPr>
       <p:sp>
         <p:nvSpPr>
-          <p:cNvPr id="15" name="Title 14">
+          <p:cNvPr id="7" name="TextBox 6">
             <a:extLst>
               <a:ext uri="{FF2B5EF4-FFF2-40B4-BE49-F238E27FC236}">
-                <a16:creationId xmlns:a16="http://schemas.microsoft.com/office/drawing/2014/main" id="{AFAEB86A-5257-4BEB-B72F-23FB7DF16ECF}"/>
+                <a16:creationId xmlns:a16="http://schemas.microsoft.com/office/drawing/2014/main" id="{A9B73EA7-6989-4082-AEFB-559B90E7E60B}"/>
               </a:ext>
             </a:extLst>
           </p:cNvPr>
-          <p:cNvSpPr>
-            <a:spLocks noGrp="1"/>
-          </p:cNvSpPr>
-          <p:nvPr>
-            <p:ph type="title"/>
-          </p:nvPr>
+          <p:cNvSpPr txBox="1"/>
+          <p:nvPr/>
         </p:nvSpPr>
-        <p:spPr/>
+        <p:spPr>
+          <a:xfrm>
+            <a:off x="3648223" y="4875355"/>
+            <a:ext cx="4258795" cy="661720"/>
+          </a:xfrm>
+          <a:prstGeom prst="rect">
+            <a:avLst/>
+          </a:prstGeom>
+          <a:noFill/>
+        </p:spPr>
         <p:txBody>
-          <a:bodyPr/>
+          <a:bodyPr wrap="none" rtlCol="0">
+            <a:spAutoFit/>
+          </a:bodyPr>
           <a:lstStyle/>
           <a:p>
             <a:r>
-              <a:rPr lang="en-US" dirty="0"/>
-              <a:t>Mediator Pattern: Separation of Concerns</a:t>
+              <a:rPr lang="en-US" b="1" i="1" dirty="0">
+                <a:solidFill>
+                  <a:srgbClr val="00B050"/>
+                </a:solidFill>
+              </a:rPr>
+              <a:t>Logical</a:t>
+            </a:r>
+            <a:r>
+              <a:rPr lang="en-US" i="1" dirty="0"/>
+              <a:t> </a:t>
+            </a:r>
+            <a:r>
+              <a:rPr lang="en-US" b="1" dirty="0">
+                <a:solidFill>
+                  <a:schemeClr val="bg1"/>
+                </a:solidFill>
+              </a:rPr>
+              <a:t>relationships</a:t>
             </a:r>
           </a:p>
         </p:txBody>
       </p:sp>
+      <p:pic>
+        <p:nvPicPr>
+          <p:cNvPr id="3" name="Picture 2">
+            <a:extLst>
+              <a:ext uri="{FF2B5EF4-FFF2-40B4-BE49-F238E27FC236}">
+                <a16:creationId xmlns:a16="http://schemas.microsoft.com/office/drawing/2014/main" id="{83757C08-871B-4487-8AC5-C887E26B8141}"/>
+              </a:ext>
+            </a:extLst>
+          </p:cNvPr>
+          <p:cNvPicPr>
+            <a:picLocks noChangeAspect="1"/>
+          </p:cNvPicPr>
+          <p:nvPr/>
+        </p:nvPicPr>
+        <p:blipFill>
+          <a:blip r:embed="rId2"/>
+          <a:stretch>
+            <a:fillRect/>
+          </a:stretch>
+        </p:blipFill>
+        <p:spPr>
+          <a:xfrm>
+            <a:off x="769841" y="432289"/>
+            <a:ext cx="4772025" cy="3390900"/>
+          </a:xfrm>
+          <a:prstGeom prst="rect">
+            <a:avLst/>
+          </a:prstGeom>
+        </p:spPr>
+      </p:pic>
+      <p:pic>
+        <p:nvPicPr>
+          <p:cNvPr id="8" name="Picture 7">
+            <a:extLst>
+              <a:ext uri="{FF2B5EF4-FFF2-40B4-BE49-F238E27FC236}">
+                <a16:creationId xmlns:a16="http://schemas.microsoft.com/office/drawing/2014/main" id="{B33B5183-91DA-4B54-AAC2-583B564BD0BE}"/>
+              </a:ext>
+            </a:extLst>
+          </p:cNvPr>
+          <p:cNvPicPr>
+            <a:picLocks noChangeAspect="1"/>
+          </p:cNvPicPr>
+          <p:nvPr/>
+        </p:nvPicPr>
+        <p:blipFill>
+          <a:blip r:embed="rId3"/>
+          <a:stretch>
+            <a:fillRect/>
+          </a:stretch>
+        </p:blipFill>
+        <p:spPr>
+          <a:xfrm>
+            <a:off x="6279321" y="432289"/>
+            <a:ext cx="3600450" cy="2924175"/>
+          </a:xfrm>
+          <a:prstGeom prst="rect">
+            <a:avLst/>
+          </a:prstGeom>
+        </p:spPr>
+      </p:pic>
       <p:sp>
         <p:nvSpPr>
-          <p:cNvPr id="2" name="Rectangle 1">
+          <p:cNvPr id="21" name="Rectangle 20">
             <a:extLst>
               <a:ext uri="{FF2B5EF4-FFF2-40B4-BE49-F238E27FC236}">
-                <a16:creationId xmlns:a16="http://schemas.microsoft.com/office/drawing/2014/main" id="{B60FD285-FAEB-403E-917C-84F64323965C}"/>
+                <a16:creationId xmlns:a16="http://schemas.microsoft.com/office/drawing/2014/main" id="{908C32A4-B608-4D82-B5C0-DAF1FBDDDE4B}"/>
               </a:ext>
             </a:extLst>
           </p:cNvPr>
@@ -12865,22 +11648,32 @@
         </p:nvSpPr>
         <p:spPr>
           <a:xfrm>
-            <a:off x="9004441" y="2415562"/>
-            <a:ext cx="2157573" cy="1176389"/>
+            <a:off x="1516781" y="942536"/>
+            <a:ext cx="7479507" cy="346115"/>
           </a:xfrm>
           <a:prstGeom prst="rect">
             <a:avLst/>
           </a:prstGeom>
+          <a:solidFill>
+            <a:srgbClr val="FFFF00">
+              <a:alpha val="30000"/>
+            </a:srgbClr>
+          </a:solidFill>
+          <a:ln>
+            <a:solidFill>
+              <a:srgbClr val="FFC000"/>
+            </a:solidFill>
+          </a:ln>
         </p:spPr>
         <p:style>
           <a:lnRef idx="1">
-            <a:schemeClr val="accent4"/>
+            <a:schemeClr val="accent6"/>
           </a:lnRef>
           <a:fillRef idx="2">
-            <a:schemeClr val="accent4"/>
+            <a:schemeClr val="accent6"/>
           </a:fillRef>
           <a:effectRef idx="1">
-            <a:schemeClr val="accent4"/>
+            <a:schemeClr val="accent6"/>
           </a:effectRef>
           <a:fontRef idx="minor">
             <a:schemeClr val="dk1"/>
@@ -12891,19 +11684,70 @@
           <a:lstStyle/>
           <a:p>
             <a:pPr algn="ctr"/>
-            <a:r>
-              <a:rPr lang="en-US" sz="2400" dirty="0"/>
-              <a:t>Handler</a:t>
-            </a:r>
+            <a:endParaRPr lang="en-US"/>
+          </a:p>
+        </p:txBody>
+      </p:sp>
+      <p:sp>
+        <p:nvSpPr>
+          <p:cNvPr id="22" name="Rectangle 21">
+            <a:extLst>
+              <a:ext uri="{FF2B5EF4-FFF2-40B4-BE49-F238E27FC236}">
+                <a16:creationId xmlns:a16="http://schemas.microsoft.com/office/drawing/2014/main" id="{E132B22D-F85A-4257-B94E-55C40C56FACF}"/>
+              </a:ext>
+            </a:extLst>
+          </p:cNvPr>
+          <p:cNvSpPr/>
+          <p:nvPr/>
+        </p:nvSpPr>
+        <p:spPr>
+          <a:xfrm>
+            <a:off x="1516781" y="1419380"/>
+            <a:ext cx="7479507" cy="346115"/>
+          </a:xfrm>
+          <a:prstGeom prst="rect">
+            <a:avLst/>
+          </a:prstGeom>
+          <a:solidFill>
+            <a:srgbClr val="FFFF00">
+              <a:alpha val="30000"/>
+            </a:srgbClr>
+          </a:solidFill>
+          <a:ln>
+            <a:solidFill>
+              <a:srgbClr val="FFC000"/>
+            </a:solidFill>
+          </a:ln>
+        </p:spPr>
+        <p:style>
+          <a:lnRef idx="1">
+            <a:schemeClr val="accent6"/>
+          </a:lnRef>
+          <a:fillRef idx="2">
+            <a:schemeClr val="accent6"/>
+          </a:fillRef>
+          <a:effectRef idx="1">
+            <a:schemeClr val="accent6"/>
+          </a:effectRef>
+          <a:fontRef idx="minor">
+            <a:schemeClr val="dk1"/>
+          </a:fontRef>
+        </p:style>
+        <p:txBody>
+          <a:bodyPr rtlCol="0" anchor="ctr"/>
+          <a:lstStyle/>
+          <a:p>
+            <a:pPr algn="ctr"/>
+            <a:endParaRPr lang="en-US"/>
           </a:p>
         </p:txBody>
       </p:sp>
       <p:grpSp>
         <p:nvGrpSpPr>
-          <p:cNvPr id="22" name="Group 21">
+          <p:cNvPr id="29" name="Group 28">
             <a:extLst>
               <a:ext uri="{FF2B5EF4-FFF2-40B4-BE49-F238E27FC236}">
-                <a16:creationId xmlns:a16="http://schemas.microsoft.com/office/drawing/2014/main" id="{0647F122-6B0D-456F-A708-BDD23ED5C3E9}"/>
+                <a16:creationId xmlns:a16="http://schemas.microsoft.com/office/drawing/2014/main" id="{37F35DF8-C6BA-4716-8D4A-B38736489EFB}"/>
               </a:ext>
             </a:extLst>
           </p:cNvPr>
@@ -12912,110 +11756,127 @@
         </p:nvGrpSpPr>
         <p:grpSpPr>
           <a:xfrm>
-            <a:off x="7060059" y="3338024"/>
-            <a:ext cx="1925548" cy="482816"/>
-            <a:chOff x="7060059" y="3338024"/>
-            <a:chExt cx="1925548" cy="482816"/>
+            <a:off x="1516781" y="2387922"/>
+            <a:ext cx="7479506" cy="789922"/>
+            <a:chOff x="1516781" y="2387922"/>
+            <a:chExt cx="7479506" cy="789922"/>
           </a:xfrm>
         </p:grpSpPr>
-        <p:cxnSp>
-          <p:nvCxnSpPr>
-            <p:cNvPr id="16" name="Straight Arrow Connector 15">
+        <p:sp>
+          <p:nvSpPr>
+            <p:cNvPr id="24" name="Rectangle 23">
               <a:extLst>
                 <a:ext uri="{FF2B5EF4-FFF2-40B4-BE49-F238E27FC236}">
-                  <a16:creationId xmlns:a16="http://schemas.microsoft.com/office/drawing/2014/main" id="{867EB201-B4A1-4C3F-B598-015E1670EFFE}"/>
+                  <a16:creationId xmlns:a16="http://schemas.microsoft.com/office/drawing/2014/main" id="{FC8F364A-0265-40F3-A8E5-5BF982A19D8D}"/>
                 </a:ext>
               </a:extLst>
             </p:cNvPr>
-            <p:cNvCxnSpPr>
-              <a:cxnSpLocks/>
-            </p:cNvCxnSpPr>
-            <p:nvPr/>
-          </p:nvCxnSpPr>
-          <p:spPr>
-            <a:xfrm flipH="1">
-              <a:off x="7060059" y="3338024"/>
-              <a:ext cx="1925548" cy="0"/>
-            </a:xfrm>
-            <a:prstGeom prst="straightConnector1">
-              <a:avLst/>
-            </a:prstGeom>
-            <a:ln w="57150">
-              <a:headEnd type="none" w="med" len="med"/>
-              <a:tailEnd type="arrow" w="med" len="med"/>
-            </a:ln>
-          </p:spPr>
-          <p:style>
-            <a:lnRef idx="3">
-              <a:schemeClr val="dk1"/>
-            </a:lnRef>
-            <a:fillRef idx="0">
-              <a:schemeClr val="dk1"/>
-            </a:fillRef>
-            <a:effectRef idx="2">
-              <a:schemeClr val="dk1"/>
-            </a:effectRef>
-            <a:fontRef idx="minor">
-              <a:schemeClr val="tx1"/>
-            </a:fontRef>
-          </p:style>
-        </p:cxnSp>
-        <p:sp>
-          <p:nvSpPr>
-            <p:cNvPr id="18" name="TextBox 17">
-              <a:extLst>
-                <a:ext uri="{FF2B5EF4-FFF2-40B4-BE49-F238E27FC236}">
-                  <a16:creationId xmlns:a16="http://schemas.microsoft.com/office/drawing/2014/main" id="{5E215571-F2D3-4E0E-ACA3-3FDC5BAA9480}"/>
-                </a:ext>
-              </a:extLst>
-            </p:cNvPr>
-            <p:cNvSpPr txBox="1"/>
+            <p:cNvSpPr/>
             <p:nvPr/>
           </p:nvSpPr>
           <p:spPr>
             <a:xfrm>
-              <a:off x="7417665" y="3420730"/>
-              <a:ext cx="1304505" cy="400110"/>
+              <a:off x="1516781" y="2831729"/>
+              <a:ext cx="4579220" cy="346115"/>
             </a:xfrm>
             <a:prstGeom prst="rect">
               <a:avLst/>
             </a:prstGeom>
+            <a:solidFill>
+              <a:srgbClr val="FFFF00">
+                <a:alpha val="30000"/>
+              </a:srgbClr>
+            </a:solidFill>
+            <a:ln>
+              <a:solidFill>
+                <a:srgbClr val="FFC000"/>
+              </a:solidFill>
+            </a:ln>
           </p:spPr>
           <p:style>
             <a:lnRef idx="1">
-              <a:schemeClr val="accent2"/>
+              <a:schemeClr val="accent6"/>
             </a:lnRef>
             <a:fillRef idx="2">
-              <a:schemeClr val="accent2"/>
+              <a:schemeClr val="accent6"/>
             </a:fillRef>
             <a:effectRef idx="1">
-              <a:schemeClr val="accent2"/>
+              <a:schemeClr val="accent6"/>
             </a:effectRef>
             <a:fontRef idx="minor">
               <a:schemeClr val="dk1"/>
             </a:fontRef>
           </p:style>
           <p:txBody>
-            <a:bodyPr wrap="square" rtlCol="0" anchor="ctr">
-              <a:spAutoFit/>
-            </a:bodyPr>
+            <a:bodyPr rtlCol="0" anchor="ctr"/>
             <a:lstStyle/>
             <a:p>
               <a:pPr algn="ctr"/>
-              <a:r>
-                <a:rPr lang="en-US" sz="2000" dirty="0"/>
-                <a:t>Response</a:t>
-              </a:r>
+              <a:endParaRPr lang="en-US"/>
+            </a:p>
+          </p:txBody>
+        </p:sp>
+        <p:sp>
+          <p:nvSpPr>
+            <p:cNvPr id="25" name="Rectangle 24">
+              <a:extLst>
+                <a:ext uri="{FF2B5EF4-FFF2-40B4-BE49-F238E27FC236}">
+                  <a16:creationId xmlns:a16="http://schemas.microsoft.com/office/drawing/2014/main" id="{0A91FB5E-62FE-4A0B-AD45-F182CE84E8F3}"/>
+                </a:ext>
+              </a:extLst>
+            </p:cNvPr>
+            <p:cNvSpPr/>
+            <p:nvPr/>
+          </p:nvSpPr>
+          <p:spPr>
+            <a:xfrm>
+              <a:off x="5725186" y="2387922"/>
+              <a:ext cx="3271101" cy="346115"/>
+            </a:xfrm>
+            <a:prstGeom prst="rect">
+              <a:avLst/>
+            </a:prstGeom>
+            <a:solidFill>
+              <a:srgbClr val="FFFF00">
+                <a:alpha val="30000"/>
+              </a:srgbClr>
+            </a:solidFill>
+            <a:ln>
+              <a:solidFill>
+                <a:srgbClr val="FFC000"/>
+              </a:solidFill>
+            </a:ln>
+          </p:spPr>
+          <p:style>
+            <a:lnRef idx="1">
+              <a:schemeClr val="accent6"/>
+            </a:lnRef>
+            <a:fillRef idx="2">
+              <a:schemeClr val="accent6"/>
+            </a:fillRef>
+            <a:effectRef idx="1">
+              <a:schemeClr val="accent6"/>
+            </a:effectRef>
+            <a:fontRef idx="minor">
+              <a:schemeClr val="dk1"/>
+            </a:fontRef>
+          </p:style>
+          <p:txBody>
+            <a:bodyPr rtlCol="0" anchor="ctr"/>
+            <a:lstStyle/>
+            <a:p>
+              <a:pPr algn="ctr"/>
+              <a:endParaRPr lang="en-US"/>
             </a:p>
           </p:txBody>
         </p:sp>
       </p:grpSp>
       <p:grpSp>
         <p:nvGrpSpPr>
-          <p:cNvPr id="24" name="Group 23">
+          <p:cNvPr id="28" name="Group 27">
             <a:extLst>
               <a:ext uri="{FF2B5EF4-FFF2-40B4-BE49-F238E27FC236}">
-                <a16:creationId xmlns:a16="http://schemas.microsoft.com/office/drawing/2014/main" id="{1BB0E8B0-D851-44CD-85EB-52F6D55C46B7}"/>
+                <a16:creationId xmlns:a16="http://schemas.microsoft.com/office/drawing/2014/main" id="{5B5DBBF6-7911-474F-8C8E-B13B42E04645}"/>
               </a:ext>
             </a:extLst>
           </p:cNvPr>
@@ -13024,130 +11885,18 @@
         </p:nvGrpSpPr>
         <p:grpSpPr>
           <a:xfrm>
-            <a:off x="7097727" y="2436043"/>
-            <a:ext cx="1925548" cy="570868"/>
-            <a:chOff x="2995773" y="2436043"/>
-            <a:chExt cx="1925548" cy="570868"/>
+            <a:off x="1516781" y="2867931"/>
+            <a:ext cx="7479505" cy="733650"/>
+            <a:chOff x="1516781" y="2867931"/>
+            <a:chExt cx="7479505" cy="733650"/>
           </a:xfrm>
         </p:grpSpPr>
         <p:sp>
           <p:nvSpPr>
-            <p:cNvPr id="25" name="TextBox 24">
+            <p:cNvPr id="26" name="Rectangle 25">
               <a:extLst>
                 <a:ext uri="{FF2B5EF4-FFF2-40B4-BE49-F238E27FC236}">
-                  <a16:creationId xmlns:a16="http://schemas.microsoft.com/office/drawing/2014/main" id="{6C273256-F50D-45C6-8A77-19B2B6B5BE2E}"/>
-                </a:ext>
-              </a:extLst>
-            </p:cNvPr>
-            <p:cNvSpPr txBox="1"/>
-            <p:nvPr/>
-          </p:nvSpPr>
-          <p:spPr>
-            <a:xfrm>
-              <a:off x="3315712" y="2436043"/>
-              <a:ext cx="1304504" cy="461665"/>
-            </a:xfrm>
-            <a:prstGeom prst="rect">
-              <a:avLst/>
-            </a:prstGeom>
-          </p:spPr>
-          <p:style>
-            <a:lnRef idx="1">
-              <a:schemeClr val="accent3"/>
-            </a:lnRef>
-            <a:fillRef idx="2">
-              <a:schemeClr val="accent3"/>
-            </a:fillRef>
-            <a:effectRef idx="1">
-              <a:schemeClr val="accent3"/>
-            </a:effectRef>
-            <a:fontRef idx="minor">
-              <a:schemeClr val="dk1"/>
-            </a:fontRef>
-          </p:style>
-          <p:txBody>
-            <a:bodyPr wrap="square" rtlCol="0" anchor="ctr">
-              <a:spAutoFit/>
-            </a:bodyPr>
-            <a:lstStyle/>
-            <a:p>
-              <a:pPr algn="ctr"/>
-              <a:r>
-                <a:rPr lang="en-US" sz="2400" dirty="0"/>
-                <a:t>Request</a:t>
-              </a:r>
-            </a:p>
-          </p:txBody>
-        </p:sp>
-        <p:cxnSp>
-          <p:nvCxnSpPr>
-            <p:cNvPr id="26" name="Straight Arrow Connector 25">
-              <a:extLst>
-                <a:ext uri="{FF2B5EF4-FFF2-40B4-BE49-F238E27FC236}">
-                  <a16:creationId xmlns:a16="http://schemas.microsoft.com/office/drawing/2014/main" id="{BDCAFD73-DF96-42B3-878C-5F03D171ED86}"/>
-                </a:ext>
-              </a:extLst>
-            </p:cNvPr>
-            <p:cNvCxnSpPr>
-              <a:cxnSpLocks/>
-            </p:cNvCxnSpPr>
-            <p:nvPr/>
-          </p:nvCxnSpPr>
-          <p:spPr>
-            <a:xfrm flipV="1">
-              <a:off x="2995773" y="3006909"/>
-              <a:ext cx="1925548" cy="2"/>
-            </a:xfrm>
-            <a:prstGeom prst="straightConnector1">
-              <a:avLst/>
-            </a:prstGeom>
-            <a:ln w="57150">
-              <a:headEnd type="none" w="med" len="med"/>
-              <a:tailEnd type="arrow" w="med" len="med"/>
-            </a:ln>
-          </p:spPr>
-          <p:style>
-            <a:lnRef idx="3">
-              <a:schemeClr val="dk1"/>
-            </a:lnRef>
-            <a:fillRef idx="0">
-              <a:schemeClr val="dk1"/>
-            </a:fillRef>
-            <a:effectRef idx="2">
-              <a:schemeClr val="dk1"/>
-            </a:effectRef>
-            <a:fontRef idx="minor">
-              <a:schemeClr val="tx1"/>
-            </a:fontRef>
-          </p:style>
-        </p:cxnSp>
-      </p:grpSp>
-      <p:grpSp>
-        <p:nvGrpSpPr>
-          <p:cNvPr id="6" name="Group 5">
-            <a:extLst>
-              <a:ext uri="{FF2B5EF4-FFF2-40B4-BE49-F238E27FC236}">
-                <a16:creationId xmlns:a16="http://schemas.microsoft.com/office/drawing/2014/main" id="{1048646D-8F7B-4993-9A48-5A08512C75DA}"/>
-              </a:ext>
-            </a:extLst>
-          </p:cNvPr>
-          <p:cNvGrpSpPr/>
-          <p:nvPr/>
-        </p:nvGrpSpPr>
-        <p:grpSpPr>
-          <a:xfrm>
-            <a:off x="264920" y="2033899"/>
-            <a:ext cx="6813974" cy="2100790"/>
-            <a:chOff x="838200" y="2418712"/>
-            <a:chExt cx="6240694" cy="1176394"/>
-          </a:xfrm>
-        </p:grpSpPr>
-        <p:sp>
-          <p:nvSpPr>
-            <p:cNvPr id="4" name="Rectangle 3">
-              <a:extLst>
-                <a:ext uri="{FF2B5EF4-FFF2-40B4-BE49-F238E27FC236}">
-                  <a16:creationId xmlns:a16="http://schemas.microsoft.com/office/drawing/2014/main" id="{A8B79B27-783B-44BF-B726-21F1CA031AF3}"/>
+                  <a16:creationId xmlns:a16="http://schemas.microsoft.com/office/drawing/2014/main" id="{E02AF6DC-6C24-47A9-8038-F5EBD0D81488}"/>
                 </a:ext>
               </a:extLst>
             </p:cNvPr>
@@ -13156,27 +11905,35 @@
           </p:nvSpPr>
           <p:spPr>
             <a:xfrm>
-              <a:off x="838200" y="2418715"/>
-              <a:ext cx="2157573" cy="1176391"/>
+              <a:off x="1516781" y="3255466"/>
+              <a:ext cx="5207576" cy="346115"/>
             </a:xfrm>
             <a:prstGeom prst="rect">
               <a:avLst/>
             </a:prstGeom>
+            <a:solidFill>
+              <a:srgbClr val="FFFF00">
+                <a:alpha val="30000"/>
+              </a:srgbClr>
+            </a:solidFill>
+            <a:ln>
+              <a:solidFill>
+                <a:srgbClr val="FFC000"/>
+              </a:solidFill>
+            </a:ln>
           </p:spPr>
           <p:style>
-            <a:lnRef idx="2">
-              <a:schemeClr val="accent1">
-                <a:shade val="50000"/>
-              </a:schemeClr>
+            <a:lnRef idx="1">
+              <a:schemeClr val="accent6"/>
             </a:lnRef>
-            <a:fillRef idx="1">
-              <a:schemeClr val="accent1"/>
+            <a:fillRef idx="2">
+              <a:schemeClr val="accent6"/>
             </a:fillRef>
-            <a:effectRef idx="0">
-              <a:schemeClr val="accent1"/>
+            <a:effectRef idx="1">
+              <a:schemeClr val="accent6"/>
             </a:effectRef>
             <a:fontRef idx="minor">
-              <a:schemeClr val="lt1"/>
+              <a:schemeClr val="dk1"/>
             </a:fontRef>
           </p:style>
           <p:txBody>
@@ -13184,19 +11941,16 @@
             <a:lstStyle/>
             <a:p>
               <a:pPr algn="ctr"/>
-              <a:r>
-                <a:rPr lang="en-US" sz="2800" b="1" dirty="0"/>
-                <a:t>Controller</a:t>
-              </a:r>
+              <a:endParaRPr lang="en-US"/>
             </a:p>
           </p:txBody>
         </p:sp>
         <p:sp>
           <p:nvSpPr>
-            <p:cNvPr id="5" name="Rectangle 4">
+            <p:cNvPr id="27" name="Rectangle 26">
               <a:extLst>
                 <a:ext uri="{FF2B5EF4-FFF2-40B4-BE49-F238E27FC236}">
-                  <a16:creationId xmlns:a16="http://schemas.microsoft.com/office/drawing/2014/main" id="{5E0D3878-F12D-4D66-BF2E-5CFC721746D7}"/>
+                  <a16:creationId xmlns:a16="http://schemas.microsoft.com/office/drawing/2014/main" id="{516B9D43-BB81-491D-8FC4-1BB7D0782FAB}"/>
                 </a:ext>
               </a:extLst>
             </p:cNvPr>
@@ -13205,27 +11959,35 @@
           </p:nvSpPr>
           <p:spPr>
             <a:xfrm>
-              <a:off x="4921321" y="2418712"/>
-              <a:ext cx="2157573" cy="1176391"/>
+              <a:off x="6562577" y="2867931"/>
+              <a:ext cx="2433709" cy="346115"/>
             </a:xfrm>
             <a:prstGeom prst="rect">
               <a:avLst/>
             </a:prstGeom>
+            <a:solidFill>
+              <a:srgbClr val="FFFF00">
+                <a:alpha val="30000"/>
+              </a:srgbClr>
+            </a:solidFill>
+            <a:ln>
+              <a:solidFill>
+                <a:srgbClr val="FFC000"/>
+              </a:solidFill>
+            </a:ln>
           </p:spPr>
           <p:style>
-            <a:lnRef idx="2">
-              <a:schemeClr val="accent6">
-                <a:shade val="50000"/>
-              </a:schemeClr>
+            <a:lnRef idx="1">
+              <a:schemeClr val="accent6"/>
             </a:lnRef>
-            <a:fillRef idx="1">
+            <a:fillRef idx="2">
               <a:schemeClr val="accent6"/>
             </a:fillRef>
-            <a:effectRef idx="0">
+            <a:effectRef idx="1">
               <a:schemeClr val="accent6"/>
             </a:effectRef>
             <a:fontRef idx="minor">
-              <a:schemeClr val="lt1"/>
+              <a:schemeClr val="dk1"/>
             </a:fontRef>
           </p:style>
           <p:txBody>
@@ -13233,297 +11995,15 @@
             <a:lstStyle/>
             <a:p>
               <a:pPr algn="ctr"/>
-              <a:r>
-                <a:rPr lang="en-US" sz="2800" b="1" dirty="0"/>
-                <a:t>Mediator</a:t>
-              </a:r>
+              <a:endParaRPr lang="en-US"/>
             </a:p>
           </p:txBody>
         </p:sp>
-        <p:grpSp>
-          <p:nvGrpSpPr>
-            <p:cNvPr id="20" name="Group 19">
-              <a:extLst>
-                <a:ext uri="{FF2B5EF4-FFF2-40B4-BE49-F238E27FC236}">
-                  <a16:creationId xmlns:a16="http://schemas.microsoft.com/office/drawing/2014/main" id="{4BABDEDD-912E-48A2-A6C7-50C98F81B49C}"/>
-                </a:ext>
-              </a:extLst>
-            </p:cNvPr>
-            <p:cNvGrpSpPr/>
-            <p:nvPr/>
-          </p:nvGrpSpPr>
-          <p:grpSpPr>
-            <a:xfrm>
-              <a:off x="2995773" y="2439025"/>
-              <a:ext cx="1925548" cy="486529"/>
-              <a:chOff x="2995773" y="2439025"/>
-              <a:chExt cx="1925548" cy="486529"/>
-            </a:xfrm>
-          </p:grpSpPr>
-          <p:sp>
-            <p:nvSpPr>
-              <p:cNvPr id="8" name="TextBox 7">
-                <a:extLst>
-                  <a:ext uri="{FF2B5EF4-FFF2-40B4-BE49-F238E27FC236}">
-                    <a16:creationId xmlns:a16="http://schemas.microsoft.com/office/drawing/2014/main" id="{E5A25B7F-2291-4A50-8C07-D434C7F1B73A}"/>
-                  </a:ext>
-                </a:extLst>
-              </p:cNvPr>
-              <p:cNvSpPr txBox="1"/>
-              <p:nvPr/>
-            </p:nvSpPr>
-            <p:spPr>
-              <a:xfrm>
-                <a:off x="3175025" y="2439025"/>
-                <a:ext cx="1567044" cy="337133"/>
-              </a:xfrm>
-              <a:prstGeom prst="rect">
-                <a:avLst/>
-              </a:prstGeom>
-            </p:spPr>
-            <p:style>
-              <a:lnRef idx="1">
-                <a:schemeClr val="accent3"/>
-              </a:lnRef>
-              <a:fillRef idx="2">
-                <a:schemeClr val="accent3"/>
-              </a:fillRef>
-              <a:effectRef idx="1">
-                <a:schemeClr val="accent3"/>
-              </a:effectRef>
-              <a:fontRef idx="minor">
-                <a:schemeClr val="dk1"/>
-              </a:fontRef>
-            </p:style>
-            <p:txBody>
-              <a:bodyPr wrap="square" rtlCol="0" anchor="ctr">
-                <a:noAutofit/>
-              </a:bodyPr>
-              <a:lstStyle/>
-              <a:p>
-                <a:pPr algn="ctr"/>
-                <a:r>
-                  <a:rPr lang="en-US" sz="2800" b="1" dirty="0"/>
-                  <a:t>Request</a:t>
-                </a:r>
-              </a:p>
-            </p:txBody>
-          </p:sp>
-          <p:cxnSp>
-            <p:nvCxnSpPr>
-              <p:cNvPr id="7" name="Straight Arrow Connector 6">
-                <a:extLst>
-                  <a:ext uri="{FF2B5EF4-FFF2-40B4-BE49-F238E27FC236}">
-                    <a16:creationId xmlns:a16="http://schemas.microsoft.com/office/drawing/2014/main" id="{F7585EB0-591B-4821-B83F-C5DB6F6E8366}"/>
-                  </a:ext>
-                </a:extLst>
-              </p:cNvPr>
-              <p:cNvCxnSpPr>
-                <a:cxnSpLocks/>
-              </p:cNvCxnSpPr>
-              <p:nvPr/>
-            </p:nvCxnSpPr>
-            <p:spPr>
-              <a:xfrm flipV="1">
-                <a:off x="2995773" y="2925552"/>
-                <a:ext cx="1925548" cy="2"/>
-              </a:xfrm>
-              <a:prstGeom prst="straightConnector1">
-                <a:avLst/>
-              </a:prstGeom>
-              <a:ln w="57150">
-                <a:headEnd type="none" w="med" len="med"/>
-                <a:tailEnd type="arrow" w="med" len="med"/>
-              </a:ln>
-            </p:spPr>
-            <p:style>
-              <a:lnRef idx="3">
-                <a:schemeClr val="dk1"/>
-              </a:lnRef>
-              <a:fillRef idx="0">
-                <a:schemeClr val="dk1"/>
-              </a:fillRef>
-              <a:effectRef idx="2">
-                <a:schemeClr val="dk1"/>
-              </a:effectRef>
-              <a:fontRef idx="minor">
-                <a:schemeClr val="tx1"/>
-              </a:fontRef>
-            </p:style>
-          </p:cxnSp>
-        </p:grpSp>
-        <p:grpSp>
-          <p:nvGrpSpPr>
-            <p:cNvPr id="27" name="Group 26">
-              <a:extLst>
-                <a:ext uri="{FF2B5EF4-FFF2-40B4-BE49-F238E27FC236}">
-                  <a16:creationId xmlns:a16="http://schemas.microsoft.com/office/drawing/2014/main" id="{1278090D-5B21-498C-BEB0-A8075642ED8A}"/>
-                </a:ext>
-              </a:extLst>
-            </p:cNvPr>
-            <p:cNvGrpSpPr/>
-            <p:nvPr/>
-          </p:nvGrpSpPr>
-          <p:grpSpPr>
-            <a:xfrm>
-              <a:off x="2994031" y="3103527"/>
-              <a:ext cx="1925548" cy="490795"/>
-              <a:chOff x="7060059" y="3103527"/>
-              <a:chExt cx="1925548" cy="490795"/>
-            </a:xfrm>
-          </p:grpSpPr>
-          <p:cxnSp>
-            <p:nvCxnSpPr>
-              <p:cNvPr id="28" name="Straight Arrow Connector 27">
-                <a:extLst>
-                  <a:ext uri="{FF2B5EF4-FFF2-40B4-BE49-F238E27FC236}">
-                    <a16:creationId xmlns:a16="http://schemas.microsoft.com/office/drawing/2014/main" id="{FF4C1CCC-6CAF-45E6-B715-188DDEE7E698}"/>
-                  </a:ext>
-                </a:extLst>
-              </p:cNvPr>
-              <p:cNvCxnSpPr>
-                <a:cxnSpLocks/>
-              </p:cNvCxnSpPr>
-              <p:nvPr/>
-            </p:nvCxnSpPr>
-            <p:spPr>
-              <a:xfrm flipH="1">
-                <a:off x="7060059" y="3103527"/>
-                <a:ext cx="1925548" cy="0"/>
-              </a:xfrm>
-              <a:prstGeom prst="straightConnector1">
-                <a:avLst/>
-              </a:prstGeom>
-              <a:ln w="57150">
-                <a:headEnd type="none" w="med" len="med"/>
-                <a:tailEnd type="arrow" w="med" len="med"/>
-              </a:ln>
-            </p:spPr>
-            <p:style>
-              <a:lnRef idx="3">
-                <a:schemeClr val="dk1"/>
-              </a:lnRef>
-              <a:fillRef idx="0">
-                <a:schemeClr val="dk1"/>
-              </a:fillRef>
-              <a:effectRef idx="2">
-                <a:schemeClr val="dk1"/>
-              </a:effectRef>
-              <a:fontRef idx="minor">
-                <a:schemeClr val="tx1"/>
-              </a:fontRef>
-            </p:style>
-          </p:cxnSp>
-          <p:sp>
-            <p:nvSpPr>
-              <p:cNvPr id="29" name="TextBox 28">
-                <a:extLst>
-                  <a:ext uri="{FF2B5EF4-FFF2-40B4-BE49-F238E27FC236}">
-                    <a16:creationId xmlns:a16="http://schemas.microsoft.com/office/drawing/2014/main" id="{B1651684-5C36-4514-821D-06D4DC6F2E8B}"/>
-                  </a:ext>
-                </a:extLst>
-              </p:cNvPr>
-              <p:cNvSpPr txBox="1"/>
-              <p:nvPr/>
-            </p:nvSpPr>
-            <p:spPr>
-              <a:xfrm>
-                <a:off x="7241053" y="3252903"/>
-                <a:ext cx="1567044" cy="341419"/>
-              </a:xfrm>
-              <a:prstGeom prst="rect">
-                <a:avLst/>
-              </a:prstGeom>
-            </p:spPr>
-            <p:style>
-              <a:lnRef idx="1">
-                <a:schemeClr val="accent2"/>
-              </a:lnRef>
-              <a:fillRef idx="2">
-                <a:schemeClr val="accent2"/>
-              </a:fillRef>
-              <a:effectRef idx="1">
-                <a:schemeClr val="accent2"/>
-              </a:effectRef>
-              <a:fontRef idx="minor">
-                <a:schemeClr val="dk1"/>
-              </a:fontRef>
-            </p:style>
-            <p:txBody>
-              <a:bodyPr wrap="square" rtlCol="0" anchor="ctr">
-                <a:noAutofit/>
-              </a:bodyPr>
-              <a:lstStyle/>
-              <a:p>
-                <a:pPr algn="ctr"/>
-                <a:r>
-                  <a:rPr lang="en-US" sz="2800" b="1" dirty="0"/>
-                  <a:t>Response</a:t>
-                </a:r>
-                <a:endParaRPr lang="en-US" sz="2400" b="1" dirty="0"/>
-              </a:p>
-            </p:txBody>
-          </p:sp>
-        </p:grpSp>
       </p:grpSp>
-      <p:sp>
-        <p:nvSpPr>
-          <p:cNvPr id="19" name="Rectangle 18">
-            <a:extLst>
-              <a:ext uri="{FF2B5EF4-FFF2-40B4-BE49-F238E27FC236}">
-                <a16:creationId xmlns:a16="http://schemas.microsoft.com/office/drawing/2014/main" id="{823F3156-B2B0-4BA6-9C08-8792D021504D}"/>
-              </a:ext>
-            </a:extLst>
-          </p:cNvPr>
-          <p:cNvSpPr/>
-          <p:nvPr/>
-        </p:nvSpPr>
-        <p:spPr>
-          <a:xfrm>
-            <a:off x="7078893" y="2095109"/>
-            <a:ext cx="4389207" cy="1854200"/>
-          </a:xfrm>
-          <a:prstGeom prst="rect">
-            <a:avLst/>
-          </a:prstGeom>
-          <a:solidFill>
-            <a:schemeClr val="bg1">
-              <a:alpha val="69000"/>
-            </a:schemeClr>
-          </a:solidFill>
-          <a:ln>
-            <a:noFill/>
-          </a:ln>
-        </p:spPr>
-        <p:style>
-          <a:lnRef idx="2">
-            <a:schemeClr val="accent1">
-              <a:shade val="50000"/>
-            </a:schemeClr>
-          </a:lnRef>
-          <a:fillRef idx="1">
-            <a:schemeClr val="accent1"/>
-          </a:fillRef>
-          <a:effectRef idx="0">
-            <a:schemeClr val="accent1"/>
-          </a:effectRef>
-          <a:fontRef idx="minor">
-            <a:schemeClr val="lt1"/>
-          </a:fontRef>
-        </p:style>
-        <p:txBody>
-          <a:bodyPr rtlCol="0" anchor="ctr"/>
-          <a:lstStyle/>
-          <a:p>
-            <a:pPr algn="ctr"/>
-            <a:endParaRPr lang="en-US" sz="2400"/>
-          </a:p>
-        </p:txBody>
-      </p:sp>
     </p:spTree>
     <p:extLst>
       <p:ext uri="{BB962C8B-B14F-4D97-AF65-F5344CB8AC3E}">
-        <p14:creationId xmlns:p14="http://schemas.microsoft.com/office/powerpoint/2010/main" val="2825414458"/>
+        <p14:creationId xmlns:p14="http://schemas.microsoft.com/office/powerpoint/2010/main" val="976553354"/>
       </p:ext>
     </p:extLst>
   </p:cSld>
@@ -13533,10 +12013,224 @@
   <p:transition>
     <p:dissolve/>
   </p:transition>
+  <p:timing>
+    <p:tnLst>
+      <p:par>
+        <p:cTn id="1" dur="indefinite" restart="never" nodeType="tmRoot">
+          <p:childTnLst>
+            <p:seq concurrent="1" nextAc="seek">
+              <p:cTn id="2" dur="indefinite" nodeType="mainSeq">
+                <p:childTnLst>
+                  <p:par>
+                    <p:cTn id="3" fill="hold">
+                      <p:stCondLst>
+                        <p:cond delay="indefinite"/>
+                      </p:stCondLst>
+                      <p:childTnLst>
+                        <p:par>
+                          <p:cTn id="4" fill="hold">
+                            <p:stCondLst>
+                              <p:cond delay="0"/>
+                            </p:stCondLst>
+                            <p:childTnLst>
+                              <p:par>
+                                <p:cTn id="5" presetID="1" presetClass="entr" presetSubtype="0" fill="hold" grpId="0" nodeType="clickEffect">
+                                  <p:stCondLst>
+                                    <p:cond delay="0"/>
+                                  </p:stCondLst>
+                                  <p:childTnLst>
+                                    <p:set>
+                                      <p:cBhvr>
+                                        <p:cTn id="6" dur="1" fill="hold">
+                                          <p:stCondLst>
+                                            <p:cond delay="0"/>
+                                          </p:stCondLst>
+                                        </p:cTn>
+                                        <p:tgtEl>
+                                          <p:spTgt spid="21"/>
+                                        </p:tgtEl>
+                                        <p:attrNameLst>
+                                          <p:attrName>style.visibility</p:attrName>
+                                        </p:attrNameLst>
+                                      </p:cBhvr>
+                                      <p:to>
+                                        <p:strVal val="visible"/>
+                                      </p:to>
+                                    </p:set>
+                                  </p:childTnLst>
+                                </p:cTn>
+                              </p:par>
+                            </p:childTnLst>
+                          </p:cTn>
+                        </p:par>
+                      </p:childTnLst>
+                    </p:cTn>
+                  </p:par>
+                  <p:par>
+                    <p:cTn id="7" fill="hold">
+                      <p:stCondLst>
+                        <p:cond delay="indefinite"/>
+                      </p:stCondLst>
+                      <p:childTnLst>
+                        <p:par>
+                          <p:cTn id="8" fill="hold">
+                            <p:stCondLst>
+                              <p:cond delay="0"/>
+                            </p:stCondLst>
+                            <p:childTnLst>
+                              <p:par>
+                                <p:cTn id="9" presetID="1" presetClass="entr" presetSubtype="0" fill="hold" grpId="0" nodeType="clickEffect">
+                                  <p:stCondLst>
+                                    <p:cond delay="0"/>
+                                  </p:stCondLst>
+                                  <p:childTnLst>
+                                    <p:set>
+                                      <p:cBhvr>
+                                        <p:cTn id="10" dur="1" fill="hold">
+                                          <p:stCondLst>
+                                            <p:cond delay="0"/>
+                                          </p:stCondLst>
+                                        </p:cTn>
+                                        <p:tgtEl>
+                                          <p:spTgt spid="22"/>
+                                        </p:tgtEl>
+                                        <p:attrNameLst>
+                                          <p:attrName>style.visibility</p:attrName>
+                                        </p:attrNameLst>
+                                      </p:cBhvr>
+                                      <p:to>
+                                        <p:strVal val="visible"/>
+                                      </p:to>
+                                    </p:set>
+                                  </p:childTnLst>
+                                </p:cTn>
+                              </p:par>
+                            </p:childTnLst>
+                          </p:cTn>
+                        </p:par>
+                      </p:childTnLst>
+                    </p:cTn>
+                  </p:par>
+                  <p:par>
+                    <p:cTn id="11" fill="hold">
+                      <p:stCondLst>
+                        <p:cond delay="indefinite"/>
+                      </p:stCondLst>
+                      <p:childTnLst>
+                        <p:par>
+                          <p:cTn id="12" fill="hold">
+                            <p:stCondLst>
+                              <p:cond delay="0"/>
+                            </p:stCondLst>
+                            <p:childTnLst>
+                              <p:par>
+                                <p:cTn id="13" presetID="1" presetClass="entr" presetSubtype="0" fill="hold" nodeType="clickEffect">
+                                  <p:stCondLst>
+                                    <p:cond delay="0"/>
+                                  </p:stCondLst>
+                                  <p:childTnLst>
+                                    <p:set>
+                                      <p:cBhvr>
+                                        <p:cTn id="14" dur="1" fill="hold">
+                                          <p:stCondLst>
+                                            <p:cond delay="0"/>
+                                          </p:stCondLst>
+                                        </p:cTn>
+                                        <p:tgtEl>
+                                          <p:spTgt spid="29"/>
+                                        </p:tgtEl>
+                                        <p:attrNameLst>
+                                          <p:attrName>style.visibility</p:attrName>
+                                        </p:attrNameLst>
+                                      </p:cBhvr>
+                                      <p:to>
+                                        <p:strVal val="visible"/>
+                                      </p:to>
+                                    </p:set>
+                                  </p:childTnLst>
+                                </p:cTn>
+                              </p:par>
+                            </p:childTnLst>
+                          </p:cTn>
+                        </p:par>
+                      </p:childTnLst>
+                    </p:cTn>
+                  </p:par>
+                  <p:par>
+                    <p:cTn id="15" fill="hold">
+                      <p:stCondLst>
+                        <p:cond delay="indefinite"/>
+                      </p:stCondLst>
+                      <p:childTnLst>
+                        <p:par>
+                          <p:cTn id="16" fill="hold">
+                            <p:stCondLst>
+                              <p:cond delay="0"/>
+                            </p:stCondLst>
+                            <p:childTnLst>
+                              <p:par>
+                                <p:cTn id="17" presetID="1" presetClass="entr" presetSubtype="0" fill="hold" nodeType="clickEffect">
+                                  <p:stCondLst>
+                                    <p:cond delay="0"/>
+                                  </p:stCondLst>
+                                  <p:childTnLst>
+                                    <p:set>
+                                      <p:cBhvr>
+                                        <p:cTn id="18" dur="1" fill="hold">
+                                          <p:stCondLst>
+                                            <p:cond delay="0"/>
+                                          </p:stCondLst>
+                                        </p:cTn>
+                                        <p:tgtEl>
+                                          <p:spTgt spid="28"/>
+                                        </p:tgtEl>
+                                        <p:attrNameLst>
+                                          <p:attrName>style.visibility</p:attrName>
+                                        </p:attrNameLst>
+                                      </p:cBhvr>
+                                      <p:to>
+                                        <p:strVal val="visible"/>
+                                      </p:to>
+                                    </p:set>
+                                  </p:childTnLst>
+                                </p:cTn>
+                              </p:par>
+                            </p:childTnLst>
+                          </p:cTn>
+                        </p:par>
+                      </p:childTnLst>
+                    </p:cTn>
+                  </p:par>
+                </p:childTnLst>
+              </p:cTn>
+              <p:prevCondLst>
+                <p:cond evt="onPrev" delay="0">
+                  <p:tgtEl>
+                    <p:sldTgt/>
+                  </p:tgtEl>
+                </p:cond>
+              </p:prevCondLst>
+              <p:nextCondLst>
+                <p:cond evt="onNext" delay="0">
+                  <p:tgtEl>
+                    <p:sldTgt/>
+                  </p:tgtEl>
+                </p:cond>
+              </p:nextCondLst>
+            </p:seq>
+          </p:childTnLst>
+        </p:cTn>
+      </p:par>
+    </p:tnLst>
+    <p:bldLst>
+      <p:bldP spid="21" grpId="0" animBg="1"/>
+      <p:bldP spid="22" grpId="0" animBg="1"/>
+    </p:bldLst>
+  </p:timing>
 </p:sld>
 </file>
 
-<file path=ppt/slides/slide9.xml><?xml version="1.0" encoding="utf-8"?>
+<file path=ppt/slides/slide5.xml><?xml version="1.0" encoding="utf-8"?>
 <p:sld xmlns:a="http://schemas.openxmlformats.org/drawingml/2006/main" xmlns:r="http://schemas.openxmlformats.org/officeDocument/2006/relationships" xmlns:p="http://schemas.openxmlformats.org/presentationml/2006/main">
   <p:cSld>
     <p:spTree>
@@ -13558,7 +12252,7 @@
           <p:cNvPr id="2" name="Title 1">
             <a:extLst>
               <a:ext uri="{FF2B5EF4-FFF2-40B4-BE49-F238E27FC236}">
-                <a16:creationId xmlns:a16="http://schemas.microsoft.com/office/drawing/2014/main" id="{74C55A17-6B82-4D41-8195-F3315512341D}"/>
+                <a16:creationId xmlns:a16="http://schemas.microsoft.com/office/drawing/2014/main" id="{941A6F3A-43D5-4DEA-B7C1-D11D41916329}"/>
               </a:ext>
             </a:extLst>
           </p:cNvPr>
@@ -13576,7 +12270,336 @@
           <a:p>
             <a:r>
               <a:rPr lang="en-US" dirty="0"/>
-              <a:t>Mediator Pattern Library</a:t>
+              <a:t>Feature Folders</a:t>
+            </a:r>
+          </a:p>
+        </p:txBody>
+      </p:sp>
+      <p:pic>
+        <p:nvPicPr>
+          <p:cNvPr id="4" name="Content Placeholder 3">
+            <a:extLst>
+              <a:ext uri="{FF2B5EF4-FFF2-40B4-BE49-F238E27FC236}">
+                <a16:creationId xmlns:a16="http://schemas.microsoft.com/office/drawing/2014/main" id="{150441BA-81B9-4517-98BE-4926B377A3A6}"/>
+              </a:ext>
+            </a:extLst>
+          </p:cNvPr>
+          <p:cNvPicPr>
+            <a:picLocks noGrp="1" noChangeAspect="1"/>
+          </p:cNvPicPr>
+          <p:nvPr>
+            <p:ph idx="1"/>
+          </p:nvPr>
+        </p:nvPicPr>
+        <p:blipFill>
+          <a:blip r:embed="rId2"/>
+          <a:stretch>
+            <a:fillRect/>
+          </a:stretch>
+        </p:blipFill>
+        <p:spPr>
+          <a:xfrm>
+            <a:off x="465336" y="1768508"/>
+            <a:ext cx="2812435" cy="4854909"/>
+          </a:xfrm>
+          <a:prstGeom prst="rect">
+            <a:avLst/>
+          </a:prstGeom>
+          <a:ln>
+            <a:solidFill>
+              <a:schemeClr val="bg1">
+                <a:lumMod val="50000"/>
+              </a:schemeClr>
+            </a:solidFill>
+          </a:ln>
+        </p:spPr>
+      </p:pic>
+      <p:pic>
+        <p:nvPicPr>
+          <p:cNvPr id="5" name="Picture 4">
+            <a:extLst>
+              <a:ext uri="{FF2B5EF4-FFF2-40B4-BE49-F238E27FC236}">
+                <a16:creationId xmlns:a16="http://schemas.microsoft.com/office/drawing/2014/main" id="{E8B7F78D-3C67-42A5-8E0B-E5DFE8863FB6}"/>
+              </a:ext>
+            </a:extLst>
+          </p:cNvPr>
+          <p:cNvPicPr>
+            <a:picLocks noChangeAspect="1"/>
+          </p:cNvPicPr>
+          <p:nvPr/>
+        </p:nvPicPr>
+        <p:blipFill>
+          <a:blip r:embed="rId3"/>
+          <a:stretch>
+            <a:fillRect/>
+          </a:stretch>
+        </p:blipFill>
+        <p:spPr>
+          <a:xfrm>
+            <a:off x="3896091" y="1824624"/>
+            <a:ext cx="3578244" cy="1692299"/>
+          </a:xfrm>
+          <a:prstGeom prst="rect">
+            <a:avLst/>
+          </a:prstGeom>
+        </p:spPr>
+      </p:pic>
+      <p:pic>
+        <p:nvPicPr>
+          <p:cNvPr id="6" name="Picture 5">
+            <a:extLst>
+              <a:ext uri="{FF2B5EF4-FFF2-40B4-BE49-F238E27FC236}">
+                <a16:creationId xmlns:a16="http://schemas.microsoft.com/office/drawing/2014/main" id="{91D945F5-E645-498F-99DC-977EC046BD5D}"/>
+              </a:ext>
+            </a:extLst>
+          </p:cNvPr>
+          <p:cNvPicPr>
+            <a:picLocks noChangeAspect="1"/>
+          </p:cNvPicPr>
+          <p:nvPr/>
+        </p:nvPicPr>
+        <p:blipFill>
+          <a:blip r:embed="rId4"/>
+          <a:stretch>
+            <a:fillRect/>
+          </a:stretch>
+        </p:blipFill>
+        <p:spPr>
+          <a:xfrm>
+            <a:off x="7467730" y="3636498"/>
+            <a:ext cx="4372284" cy="2858178"/>
+          </a:xfrm>
+          <a:prstGeom prst="rect">
+            <a:avLst/>
+          </a:prstGeom>
+        </p:spPr>
+      </p:pic>
+      <p:cxnSp>
+        <p:nvCxnSpPr>
+          <p:cNvPr id="8" name="Straight Arrow Connector 7">
+            <a:extLst>
+              <a:ext uri="{FF2B5EF4-FFF2-40B4-BE49-F238E27FC236}">
+                <a16:creationId xmlns:a16="http://schemas.microsoft.com/office/drawing/2014/main" id="{7EA3735C-3579-4513-BD7A-FB27EA5A62DF}"/>
+              </a:ext>
+            </a:extLst>
+          </p:cNvPr>
+          <p:cNvCxnSpPr>
+            <a:cxnSpLocks/>
+          </p:cNvCxnSpPr>
+          <p:nvPr/>
+        </p:nvCxnSpPr>
+        <p:spPr bwMode="auto">
+          <a:xfrm flipV="1">
+            <a:off x="1491175" y="1974756"/>
+            <a:ext cx="2511083" cy="367515"/>
+          </a:xfrm>
+          <a:prstGeom prst="straightConnector1">
+            <a:avLst/>
+          </a:prstGeom>
+          <a:blipFill dpi="0" rotWithShape="0">
+            <a:blip r:embed="rId5"/>
+            <a:srcRect/>
+            <a:tile tx="0" ty="0" sx="100000" sy="100000" flip="none" algn="tl"/>
+          </a:blipFill>
+          <a:ln w="57150" cap="flat" cmpd="sng" algn="ctr">
+            <a:solidFill>
+              <a:srgbClr val="000000"/>
+            </a:solidFill>
+            <a:prstDash val="solid"/>
+            <a:round/>
+            <a:headEnd type="none" w="med" len="med"/>
+            <a:tailEnd type="triangle"/>
+          </a:ln>
+          <a:effectLst/>
+          <a:extLst>
+            <a:ext uri="{AF507438-7753-43e0-B8FC-AC1667EBCBE1}">
+              <a14:hiddenEffects xmlns="" xmlns:a14="http://schemas.microsoft.com/office/drawing/2010/main">
+                <a:effectLst>
+                  <a:outerShdw blurRad="63500" dist="38099" dir="2700000" algn="ctr" rotWithShape="0">
+                    <a:schemeClr val="bg2">
+                      <a:alpha val="74998"/>
+                    </a:schemeClr>
+                  </a:outerShdw>
+                </a:effectLst>
+              </a14:hiddenEffects>
+            </a:ext>
+          </a:extLst>
+        </p:spPr>
+      </p:cxnSp>
+      <p:cxnSp>
+        <p:nvCxnSpPr>
+          <p:cNvPr id="10" name="Straight Arrow Connector 9">
+            <a:extLst>
+              <a:ext uri="{FF2B5EF4-FFF2-40B4-BE49-F238E27FC236}">
+                <a16:creationId xmlns:a16="http://schemas.microsoft.com/office/drawing/2014/main" id="{173A4A77-C8BE-4EC8-8B49-834C1C58BD51}"/>
+              </a:ext>
+            </a:extLst>
+          </p:cNvPr>
+          <p:cNvCxnSpPr>
+            <a:cxnSpLocks/>
+          </p:cNvCxnSpPr>
+          <p:nvPr/>
+        </p:nvCxnSpPr>
+        <p:spPr bwMode="auto">
+          <a:xfrm flipV="1">
+            <a:off x="1751428" y="3838822"/>
+            <a:ext cx="5788855" cy="1226765"/>
+          </a:xfrm>
+          <a:prstGeom prst="straightConnector1">
+            <a:avLst/>
+          </a:prstGeom>
+          <a:blipFill dpi="0" rotWithShape="0">
+            <a:blip r:embed="rId5"/>
+            <a:srcRect/>
+            <a:tile tx="0" ty="0" sx="100000" sy="100000" flip="none" algn="tl"/>
+          </a:blipFill>
+          <a:ln w="57150" cap="flat" cmpd="sng" algn="ctr">
+            <a:solidFill>
+              <a:srgbClr val="000000"/>
+            </a:solidFill>
+            <a:prstDash val="solid"/>
+            <a:round/>
+            <a:headEnd type="none" w="med" len="med"/>
+            <a:tailEnd type="triangle"/>
+          </a:ln>
+          <a:effectLst/>
+          <a:extLst>
+            <a:ext uri="{AF507438-7753-43e0-B8FC-AC1667EBCBE1}">
+              <a14:hiddenEffects xmlns="" xmlns:a14="http://schemas.microsoft.com/office/drawing/2010/main">
+                <a:effectLst>
+                  <a:outerShdw blurRad="63500" dist="38099" dir="2700000" algn="ctr" rotWithShape="0">
+                    <a:schemeClr val="bg2">
+                      <a:alpha val="74998"/>
+                    </a:schemeClr>
+                  </a:outerShdw>
+                </a:effectLst>
+              </a14:hiddenEffects>
+            </a:ext>
+          </a:extLst>
+        </p:spPr>
+      </p:cxnSp>
+    </p:spTree>
+    <p:extLst>
+      <p:ext uri="{BB962C8B-B14F-4D97-AF65-F5344CB8AC3E}">
+        <p14:creationId xmlns:p14="http://schemas.microsoft.com/office/powerpoint/2010/main" val="827939936"/>
+      </p:ext>
+    </p:extLst>
+  </p:cSld>
+  <p:clrMapOvr>
+    <a:masterClrMapping/>
+  </p:clrMapOvr>
+  <p:transition>
+    <p:dissolve/>
+  </p:transition>
+</p:sld>
+</file>
+
+<file path=ppt/slides/slide6.xml><?xml version="1.0" encoding="utf-8"?>
+<p:sld xmlns:a="http://schemas.openxmlformats.org/drawingml/2006/main" xmlns:r="http://schemas.openxmlformats.org/officeDocument/2006/relationships" xmlns:p="http://schemas.openxmlformats.org/presentationml/2006/main">
+  <p:cSld>
+    <p:spTree>
+      <p:nvGrpSpPr>
+        <p:cNvPr id="1" name=""/>
+        <p:cNvGrpSpPr/>
+        <p:nvPr/>
+      </p:nvGrpSpPr>
+      <p:grpSpPr>
+        <a:xfrm>
+          <a:off x="0" y="0"/>
+          <a:ext cx="0" cy="0"/>
+          <a:chOff x="0" y="0"/>
+          <a:chExt cx="0" cy="0"/>
+        </a:xfrm>
+      </p:grpSpPr>
+      <p:pic>
+        <p:nvPicPr>
+          <p:cNvPr id="2" name="Picture 1">
+            <a:extLst>
+              <a:ext uri="{FF2B5EF4-FFF2-40B4-BE49-F238E27FC236}">
+                <a16:creationId xmlns:a16="http://schemas.microsoft.com/office/drawing/2014/main" id="{40CB3468-E54C-4875-86E3-6206540EB07F}"/>
+              </a:ext>
+            </a:extLst>
+          </p:cNvPr>
+          <p:cNvPicPr>
+            <a:picLocks noChangeAspect="1"/>
+          </p:cNvPicPr>
+          <p:nvPr/>
+        </p:nvPicPr>
+        <p:blipFill rotWithShape="1">
+          <a:blip r:embed="rId2"/>
+          <a:srcRect l="660"/>
+          <a:stretch/>
+        </p:blipFill>
+        <p:spPr>
+          <a:xfrm>
+            <a:off x="1033975" y="56392"/>
+            <a:ext cx="10341486" cy="6752369"/>
+          </a:xfrm>
+          <a:prstGeom prst="rect">
+            <a:avLst/>
+          </a:prstGeom>
+          <a:ln>
+            <a:noFill/>
+          </a:ln>
+        </p:spPr>
+      </p:pic>
+    </p:spTree>
+    <p:extLst>
+      <p:ext uri="{BB962C8B-B14F-4D97-AF65-F5344CB8AC3E}">
+        <p14:creationId xmlns:p14="http://schemas.microsoft.com/office/powerpoint/2010/main" val="1439149734"/>
+      </p:ext>
+    </p:extLst>
+  </p:cSld>
+  <p:clrMapOvr>
+    <a:masterClrMapping/>
+  </p:clrMapOvr>
+  <p:transition>
+    <p:dissolve/>
+  </p:transition>
+</p:sld>
+</file>
+
+<file path=ppt/slides/slide7.xml><?xml version="1.0" encoding="utf-8"?>
+<p:sld xmlns:a="http://schemas.openxmlformats.org/drawingml/2006/main" xmlns:r="http://schemas.openxmlformats.org/officeDocument/2006/relationships" xmlns:p="http://schemas.openxmlformats.org/presentationml/2006/main">
+  <p:cSld>
+    <p:spTree>
+      <p:nvGrpSpPr>
+        <p:cNvPr id="1" name=""/>
+        <p:cNvGrpSpPr/>
+        <p:nvPr/>
+      </p:nvGrpSpPr>
+      <p:grpSpPr>
+        <a:xfrm>
+          <a:off x="0" y="0"/>
+          <a:ext cx="0" cy="0"/>
+          <a:chOff x="0" y="0"/>
+          <a:chExt cx="0" cy="0"/>
+        </a:xfrm>
+      </p:grpSpPr>
+      <p:sp>
+        <p:nvSpPr>
+          <p:cNvPr id="2" name="Title 1">
+            <a:extLst>
+              <a:ext uri="{FF2B5EF4-FFF2-40B4-BE49-F238E27FC236}">
+                <a16:creationId xmlns:a16="http://schemas.microsoft.com/office/drawing/2014/main" id="{347DEB1E-0E2F-496B-9AA2-3C510C0253EB}"/>
+              </a:ext>
+            </a:extLst>
+          </p:cNvPr>
+          <p:cNvSpPr>
+            <a:spLocks noGrp="1"/>
+          </p:cNvSpPr>
+          <p:nvPr>
+            <p:ph type="title"/>
+          </p:nvPr>
+        </p:nvSpPr>
+        <p:spPr/>
+        <p:txBody>
+          <a:bodyPr/>
+          <a:lstStyle/>
+          <a:p>
+            <a:r>
+              <a:rPr lang="en-US" dirty="0"/>
+              <a:t>Feature Folders: an opinionated approach</a:t>
             </a:r>
           </a:p>
         </p:txBody>
@@ -13586,7 +12609,7 @@
           <p:cNvPr id="3" name="Content Placeholder 2">
             <a:extLst>
               <a:ext uri="{FF2B5EF4-FFF2-40B4-BE49-F238E27FC236}">
-                <a16:creationId xmlns:a16="http://schemas.microsoft.com/office/drawing/2014/main" id="{397F52A1-0184-4B78-A068-8CC4A8125B3A}"/>
+                <a16:creationId xmlns:a16="http://schemas.microsoft.com/office/drawing/2014/main" id="{0C4594EC-150E-4868-95DA-8E1937B1B265}"/>
               </a:ext>
             </a:extLst>
           </p:cNvPr>
@@ -13599,80 +12622,31 @@
         </p:nvSpPr>
         <p:spPr/>
         <p:txBody>
-          <a:bodyPr>
-            <a:normAutofit/>
-          </a:bodyPr>
+          <a:bodyPr/>
           <a:lstStyle/>
           <a:p>
-            <a:pPr marL="0" indent="0" algn="ctr">
-              <a:buNone/>
-            </a:pPr>
-            <a:endParaRPr lang="en-US" sz="4000"/>
+            <a:r>
+              <a:rPr lang="en-US" dirty="0"/>
+              <a:t>Might not be for everyone</a:t>
+            </a:r>
           </a:p>
           <a:p>
-            <a:pPr marL="0" indent="0" algn="ctr">
-              <a:buNone/>
-            </a:pPr>
             <a:r>
-              <a:rPr lang="en-US" sz="4000"/>
-              <a:t>MediatR</a:t>
-            </a:r>
-            <a:endParaRPr lang="en-US" sz="4000" dirty="0"/>
-          </a:p>
-          <a:p>
-            <a:pPr marL="0" indent="0" algn="ctr">
-              <a:buNone/>
-            </a:pPr>
-            <a:endParaRPr lang="en-US" sz="4000" dirty="0"/>
-          </a:p>
-          <a:p>
-            <a:pPr marL="0" indent="0" algn="ctr">
-              <a:buNone/>
-            </a:pPr>
-            <a:r>
-              <a:rPr lang="en-US" sz="3200" dirty="0">
-                <a:latin typeface="Calynda" panose="020B0609030804020204" pitchFamily="49" charset="0"/>
-                <a:ea typeface="Calynda" panose="020B0609030804020204" pitchFamily="49" charset="0"/>
-                <a:cs typeface="Calynda" panose="020B0609030804020204" pitchFamily="49" charset="0"/>
-              </a:rPr>
-              <a:t>github.com/</a:t>
+              <a:rPr lang="en-US" dirty="0"/>
+              <a:t>If the out-of-the-box ASP.NET MVC convention of Models, Views, and Controllers folders works for you – keep </a:t>
             </a:r>
             <a:r>
-              <a:rPr lang="en-US" sz="3200" dirty="0" err="1">
-                <a:latin typeface="Calynda" panose="020B0609030804020204" pitchFamily="49" charset="0"/>
-                <a:ea typeface="Calynda" panose="020B0609030804020204" pitchFamily="49" charset="0"/>
-                <a:cs typeface="Calynda" panose="020B0609030804020204" pitchFamily="49" charset="0"/>
-              </a:rPr>
-              <a:t>jbogard</a:t>
+              <a:rPr lang="en-US"/>
+              <a:t>using it!</a:t>
             </a:r>
-            <a:r>
-              <a:rPr lang="en-US" sz="3200" dirty="0">
-                <a:latin typeface="Calynda" panose="020B0609030804020204" pitchFamily="49" charset="0"/>
-                <a:ea typeface="Calynda" panose="020B0609030804020204" pitchFamily="49" charset="0"/>
-                <a:cs typeface="Calynda" panose="020B0609030804020204" pitchFamily="49" charset="0"/>
-              </a:rPr>
-              <a:t>/</a:t>
-            </a:r>
-            <a:r>
-              <a:rPr lang="en-US" sz="3200" dirty="0" err="1">
-                <a:latin typeface="Calynda" panose="020B0609030804020204" pitchFamily="49" charset="0"/>
-                <a:ea typeface="Calynda" panose="020B0609030804020204" pitchFamily="49" charset="0"/>
-                <a:cs typeface="Calynda" panose="020B0609030804020204" pitchFamily="49" charset="0"/>
-              </a:rPr>
-              <a:t>MediatR</a:t>
-            </a:r>
-            <a:endParaRPr lang="en-US" sz="3200" dirty="0">
-              <a:latin typeface="Calynda" panose="020B0609030804020204" pitchFamily="49" charset="0"/>
-              <a:ea typeface="Calynda" panose="020B0609030804020204" pitchFamily="49" charset="0"/>
-              <a:cs typeface="Calynda" panose="020B0609030804020204" pitchFamily="49" charset="0"/>
-            </a:endParaRPr>
+            <a:endParaRPr lang="en-US" dirty="0"/>
           </a:p>
         </p:txBody>
       </p:sp>
     </p:spTree>
     <p:extLst>
       <p:ext uri="{BB962C8B-B14F-4D97-AF65-F5344CB8AC3E}">
-        <p14:creationId xmlns:p14="http://schemas.microsoft.com/office/powerpoint/2010/main" val="3739844900"/>
+        <p14:creationId xmlns:p14="http://schemas.microsoft.com/office/powerpoint/2010/main" val="3282804834"/>
       </p:ext>
     </p:extLst>
   </p:cSld>
@@ -13933,7 +12907,7 @@
         <a:effectLst/>
         <a:extLst>
           <a:ext uri="{AF507438-7753-43e0-B8FC-AC1667EBCBE1}">
-            <a14:hiddenEffects xmlns:a14="http://schemas.microsoft.com/office/drawing/2010/main" xmlns="">
+            <a14:hiddenEffects xmlns="" xmlns:a14="http://schemas.microsoft.com/office/drawing/2010/main">
               <a:effectLst>
                 <a:outerShdw blurRad="63500" dist="38099" dir="2700000" algn="ctr" rotWithShape="0">
                   <a:schemeClr val="bg2">
@@ -14013,7 +12987,7 @@
         <a:effectLst/>
         <a:extLst>
           <a:ext uri="{AF507438-7753-43e0-B8FC-AC1667EBCBE1}">
-            <a14:hiddenEffects xmlns:a14="http://schemas.microsoft.com/office/drawing/2010/main" xmlns="">
+            <a14:hiddenEffects xmlns="" xmlns:a14="http://schemas.microsoft.com/office/drawing/2010/main">
               <a:effectLst>
                 <a:outerShdw blurRad="63500" dist="38099" dir="2700000" algn="ctr" rotWithShape="0">
                   <a:schemeClr val="bg2">
@@ -14687,7 +13661,7 @@
         <a:effectLst/>
         <a:extLst>
           <a:ext uri="{AF507438-7753-43e0-B8FC-AC1667EBCBE1}">
-            <a14:hiddenEffects xmlns:a14="http://schemas.microsoft.com/office/drawing/2010/main" xmlns="">
+            <a14:hiddenEffects xmlns="" xmlns:a14="http://schemas.microsoft.com/office/drawing/2010/main">
               <a:effectLst>
                 <a:outerShdw blurRad="63500" dist="38099" dir="2700000" algn="ctr" rotWithShape="0">
                   <a:schemeClr val="bg2">
@@ -14767,7 +13741,7 @@
         <a:effectLst/>
         <a:extLst>
           <a:ext uri="{AF507438-7753-43e0-B8FC-AC1667EBCBE1}">
-            <a14:hiddenEffects xmlns:a14="http://schemas.microsoft.com/office/drawing/2010/main" xmlns="">
+            <a14:hiddenEffects xmlns="" xmlns:a14="http://schemas.microsoft.com/office/drawing/2010/main">
               <a:effectLst>
                 <a:outerShdw blurRad="63500" dist="38099" dir="2700000" algn="ctr" rotWithShape="0">
                   <a:schemeClr val="bg2">
@@ -15441,7 +14415,7 @@
         <a:effectLst/>
         <a:extLst>
           <a:ext uri="{AF507438-7753-43e0-B8FC-AC1667EBCBE1}">
-            <a14:hiddenEffects xmlns:a14="http://schemas.microsoft.com/office/drawing/2010/main" xmlns="">
+            <a14:hiddenEffects xmlns="" xmlns:a14="http://schemas.microsoft.com/office/drawing/2010/main">
               <a:effectLst>
                 <a:outerShdw blurRad="63500" dist="38099" dir="2700000" algn="ctr" rotWithShape="0">
                   <a:schemeClr val="bg2">
@@ -15521,7 +14495,7 @@
         <a:effectLst/>
         <a:extLst>
           <a:ext uri="{AF507438-7753-43e0-B8FC-AC1667EBCBE1}">
-            <a14:hiddenEffects xmlns:a14="http://schemas.microsoft.com/office/drawing/2010/main" xmlns="">
+            <a14:hiddenEffects xmlns="" xmlns:a14="http://schemas.microsoft.com/office/drawing/2010/main">
               <a:effectLst>
                 <a:outerShdw blurRad="63500" dist="38099" dir="2700000" algn="ctr" rotWithShape="0">
                   <a:schemeClr val="bg2">
@@ -15870,7 +14844,7 @@
         <a:effectLst/>
         <a:extLst>
           <a:ext uri="{AF507438-7753-43e0-B8FC-AC1667EBCBE1}">
-            <a14:hiddenEffects xmlns:a14="http://schemas.microsoft.com/office/drawing/2010/main" xmlns="">
+            <a14:hiddenEffects xmlns="" xmlns:a14="http://schemas.microsoft.com/office/drawing/2010/main">
               <a:effectLst>
                 <a:outerShdw blurRad="63500" dist="38099" dir="2700000" algn="ctr" rotWithShape="0">
                   <a:schemeClr val="bg2">
@@ -15950,7 +14924,7 @@
         <a:effectLst/>
         <a:extLst>
           <a:ext uri="{AF507438-7753-43e0-B8FC-AC1667EBCBE1}">
-            <a14:hiddenEffects xmlns:a14="http://schemas.microsoft.com/office/drawing/2010/main" xmlns="">
+            <a14:hiddenEffects xmlns="" xmlns:a14="http://schemas.microsoft.com/office/drawing/2010/main">
               <a:effectLst>
                 <a:outerShdw blurRad="63500" dist="38099" dir="2700000" algn="ctr" rotWithShape="0">
                   <a:schemeClr val="bg2">
@@ -16299,7 +15273,7 @@
         <a:effectLst/>
         <a:extLst>
           <a:ext uri="{AF507438-7753-43e0-B8FC-AC1667EBCBE1}">
-            <a14:hiddenEffects xmlns:a14="http://schemas.microsoft.com/office/drawing/2010/main" xmlns="">
+            <a14:hiddenEffects xmlns="" xmlns:a14="http://schemas.microsoft.com/office/drawing/2010/main">
               <a:effectLst>
                 <a:outerShdw blurRad="63500" dist="38099" dir="2700000" algn="ctr" rotWithShape="0">
                   <a:schemeClr val="bg2">
@@ -16379,7 +15353,7 @@
         <a:effectLst/>
         <a:extLst>
           <a:ext uri="{AF507438-7753-43e0-B8FC-AC1667EBCBE1}">
-            <a14:hiddenEffects xmlns:a14="http://schemas.microsoft.com/office/drawing/2010/main" xmlns="">
+            <a14:hiddenEffects xmlns="" xmlns:a14="http://schemas.microsoft.com/office/drawing/2010/main">
               <a:effectLst>
                 <a:outerShdw blurRad="63500" dist="38099" dir="2700000" algn="ctr" rotWithShape="0">
                   <a:schemeClr val="bg2">
@@ -16728,7 +15702,7 @@
         <a:effectLst/>
         <a:extLst>
           <a:ext uri="{AF507438-7753-43e0-B8FC-AC1667EBCBE1}">
-            <a14:hiddenEffects xmlns:a14="http://schemas.microsoft.com/office/drawing/2010/main" xmlns="">
+            <a14:hiddenEffects xmlns="" xmlns:a14="http://schemas.microsoft.com/office/drawing/2010/main">
               <a:effectLst>
                 <a:outerShdw blurRad="63500" dist="38099" dir="2700000" algn="ctr" rotWithShape="0">
                   <a:schemeClr val="bg2">
@@ -16808,7 +15782,7 @@
         <a:effectLst/>
         <a:extLst>
           <a:ext uri="{AF507438-7753-43e0-B8FC-AC1667EBCBE1}">
-            <a14:hiddenEffects xmlns:a14="http://schemas.microsoft.com/office/drawing/2010/main" xmlns="">
+            <a14:hiddenEffects xmlns="" xmlns:a14="http://schemas.microsoft.com/office/drawing/2010/main">
               <a:effectLst>
                 <a:outerShdw blurRad="63500" dist="38099" dir="2700000" algn="ctr" rotWithShape="0">
                   <a:schemeClr val="bg2">
